--- a/CBP專案/發票查帳單API.pptx
+++ b/CBP專案/發票查帳單API.pptx
@@ -7,6 +7,7 @@
   <p:sldIdLst>
     <p:sldId id="256" r:id="rId2"/>
     <p:sldId id="257" r:id="rId3"/>
+    <p:sldId id="258" r:id="rId4"/>
   </p:sldIdLst>
   <p:sldSz cx="12192000" cy="6858000"/>
   <p:notesSz cx="6858000" cy="9144000"/>
@@ -105,6 +106,11 @@
       </a:defRPr>
     </a:lvl9pPr>
   </p:defaultTextStyle>
+  <p:extLst>
+    <p:ext uri="{EFAFB233-063F-42B5-8137-9DF3F51BA10A}">
+      <p15:sldGuideLst xmlns:p15="http://schemas.microsoft.com/office/powerpoint/2012/main"/>
+    </p:ext>
+  </p:extLst>
 </p:presentation>
 </file>
 
@@ -239,7 +245,7 @@
           <a:p>
             <a:fld id="{EA6B8B9C-B817-44D7-9846-74B5F14B079A}" type="datetimeFigureOut">
               <a:rPr lang="zh-TW" altLang="en-US" smtClean="0"/>
-              <a:t>2023/7/10</a:t>
+              <a:t>2023/7/11</a:t>
             </a:fld>
             <a:endParaRPr lang="zh-TW" altLang="en-US"/>
           </a:p>
@@ -409,7 +415,7 @@
           <a:p>
             <a:fld id="{EA6B8B9C-B817-44D7-9846-74B5F14B079A}" type="datetimeFigureOut">
               <a:rPr lang="zh-TW" altLang="en-US" smtClean="0"/>
-              <a:t>2023/7/10</a:t>
+              <a:t>2023/7/11</a:t>
             </a:fld>
             <a:endParaRPr lang="zh-TW" altLang="en-US"/>
           </a:p>
@@ -589,7 +595,7 @@
           <a:p>
             <a:fld id="{EA6B8B9C-B817-44D7-9846-74B5F14B079A}" type="datetimeFigureOut">
               <a:rPr lang="zh-TW" altLang="en-US" smtClean="0"/>
-              <a:t>2023/7/10</a:t>
+              <a:t>2023/7/11</a:t>
             </a:fld>
             <a:endParaRPr lang="zh-TW" altLang="en-US"/>
           </a:p>
@@ -759,7 +765,7 @@
           <a:p>
             <a:fld id="{EA6B8B9C-B817-44D7-9846-74B5F14B079A}" type="datetimeFigureOut">
               <a:rPr lang="zh-TW" altLang="en-US" smtClean="0"/>
-              <a:t>2023/7/10</a:t>
+              <a:t>2023/7/11</a:t>
             </a:fld>
             <a:endParaRPr lang="zh-TW" altLang="en-US"/>
           </a:p>
@@ -1005,7 +1011,7 @@
           <a:p>
             <a:fld id="{EA6B8B9C-B817-44D7-9846-74B5F14B079A}" type="datetimeFigureOut">
               <a:rPr lang="zh-TW" altLang="en-US" smtClean="0"/>
-              <a:t>2023/7/10</a:t>
+              <a:t>2023/7/11</a:t>
             </a:fld>
             <a:endParaRPr lang="zh-TW" altLang="en-US"/>
           </a:p>
@@ -1237,7 +1243,7 @@
           <a:p>
             <a:fld id="{EA6B8B9C-B817-44D7-9846-74B5F14B079A}" type="datetimeFigureOut">
               <a:rPr lang="zh-TW" altLang="en-US" smtClean="0"/>
-              <a:t>2023/7/10</a:t>
+              <a:t>2023/7/11</a:t>
             </a:fld>
             <a:endParaRPr lang="zh-TW" altLang="en-US"/>
           </a:p>
@@ -1604,7 +1610,7 @@
           <a:p>
             <a:fld id="{EA6B8B9C-B817-44D7-9846-74B5F14B079A}" type="datetimeFigureOut">
               <a:rPr lang="zh-TW" altLang="en-US" smtClean="0"/>
-              <a:t>2023/7/10</a:t>
+              <a:t>2023/7/11</a:t>
             </a:fld>
             <a:endParaRPr lang="zh-TW" altLang="en-US"/>
           </a:p>
@@ -1722,7 +1728,7 @@
           <a:p>
             <a:fld id="{EA6B8B9C-B817-44D7-9846-74B5F14B079A}" type="datetimeFigureOut">
               <a:rPr lang="zh-TW" altLang="en-US" smtClean="0"/>
-              <a:t>2023/7/10</a:t>
+              <a:t>2023/7/11</a:t>
             </a:fld>
             <a:endParaRPr lang="zh-TW" altLang="en-US"/>
           </a:p>
@@ -1817,7 +1823,7 @@
           <a:p>
             <a:fld id="{EA6B8B9C-B817-44D7-9846-74B5F14B079A}" type="datetimeFigureOut">
               <a:rPr lang="zh-TW" altLang="en-US" smtClean="0"/>
-              <a:t>2023/7/10</a:t>
+              <a:t>2023/7/11</a:t>
             </a:fld>
             <a:endParaRPr lang="zh-TW" altLang="en-US"/>
           </a:p>
@@ -2094,7 +2100,7 @@
           <a:p>
             <a:fld id="{EA6B8B9C-B817-44D7-9846-74B5F14B079A}" type="datetimeFigureOut">
               <a:rPr lang="zh-TW" altLang="en-US" smtClean="0"/>
-              <a:t>2023/7/10</a:t>
+              <a:t>2023/7/11</a:t>
             </a:fld>
             <a:endParaRPr lang="zh-TW" altLang="en-US"/>
           </a:p>
@@ -2347,7 +2353,7 @@
           <a:p>
             <a:fld id="{EA6B8B9C-B817-44D7-9846-74B5F14B079A}" type="datetimeFigureOut">
               <a:rPr lang="zh-TW" altLang="en-US" smtClean="0"/>
-              <a:t>2023/7/10</a:t>
+              <a:t>2023/7/11</a:t>
             </a:fld>
             <a:endParaRPr lang="zh-TW" altLang="en-US"/>
           </a:p>
@@ -2560,7 +2566,7 @@
           <a:p>
             <a:fld id="{EA6B8B9C-B817-44D7-9846-74B5F14B079A}" type="datetimeFigureOut">
               <a:rPr lang="zh-TW" altLang="en-US" smtClean="0"/>
-              <a:t>2023/7/10</a:t>
+              <a:t>2023/7/11</a:t>
             </a:fld>
             <a:endParaRPr lang="zh-TW" altLang="en-US"/>
           </a:p>
@@ -3056,7 +3062,35 @@
                 <a:latin typeface="微軟正黑體" panose="020B0604030504040204" pitchFamily="34" charset="-120"/>
                 <a:ea typeface="微軟正黑體" panose="020B0604030504040204" pitchFamily="34" charset="-120"/>
               </a:rPr>
-              <a:t>發票查帳單</a:t>
+              <a:t>發票查帳</a:t>
+            </a:r>
+            <a:r>
+              <a:rPr lang="zh-TW" altLang="en-US" dirty="0" smtClean="0">
+                <a:latin typeface="微軟正黑體" panose="020B0604030504040204" pitchFamily="34" charset="-120"/>
+                <a:ea typeface="微軟正黑體" panose="020B0604030504040204" pitchFamily="34" charset="-120"/>
+              </a:rPr>
+              <a:t>單</a:t>
+            </a:r>
+            <a:r>
+              <a:rPr lang="en-US" altLang="zh-TW" dirty="0" smtClean="0">
+                <a:latin typeface="微軟正黑體" panose="020B0604030504040204" pitchFamily="34" charset="-120"/>
+                <a:ea typeface="微軟正黑體" panose="020B0604030504040204" pitchFamily="34" charset="-120"/>
+              </a:rPr>
+              <a:t>-POST</a:t>
+            </a:r>
+            <a:r>
+              <a:rPr lang="zh-TW" altLang="en-US" dirty="0" smtClean="0">
+                <a:latin typeface="微軟正黑體" panose="020B0604030504040204" pitchFamily="34" charset="-120"/>
+                <a:ea typeface="微軟正黑體" panose="020B0604030504040204" pitchFamily="34" charset="-120"/>
+              </a:rPr>
+              <a:t> </a:t>
+            </a:r>
+            <a:r>
+              <a:rPr lang="en-US" altLang="zh-TW" dirty="0" smtClean="0">
+                <a:latin typeface="微軟正黑體" panose="020B0604030504040204" pitchFamily="34" charset="-120"/>
+                <a:ea typeface="微軟正黑體" panose="020B0604030504040204" pitchFamily="34" charset="-120"/>
+              </a:rPr>
+              <a:t>Body</a:t>
             </a:r>
             <a:endParaRPr lang="zh-TW" altLang="en-US" dirty="0"/>
           </a:p>
@@ -3095,7 +3129,7 @@
         <p:spPr>
           <a:xfrm>
             <a:off x="351212" y="1680419"/>
-            <a:ext cx="3414338" cy="3123099"/>
+            <a:ext cx="4296988" cy="3144451"/>
           </a:xfrm>
           <a:prstGeom prst="rect">
             <a:avLst/>
@@ -3290,7 +3324,28 @@
                 <a:latin typeface="微軟正黑體" panose="020B0604030504040204" pitchFamily="34" charset="-120"/>
                 <a:ea typeface="微軟正黑體" panose="020B0604030504040204" pitchFamily="34" charset="-120"/>
               </a:rPr>
-              <a:t>": "20230410"</a:t>
+              <a:t> / </a:t>
+            </a:r>
+            <a:r>
+              <a:rPr lang="en-US" altLang="zh-TW" sz="800" dirty="0" err="1" smtClean="0">
+                <a:latin typeface="微軟正黑體" panose="020B0604030504040204" pitchFamily="34" charset="-120"/>
+                <a:ea typeface="微軟正黑體" panose="020B0604030504040204" pitchFamily="34" charset="-120"/>
+              </a:rPr>
+              <a:t>startIssueDate</a:t>
+            </a:r>
+            <a:r>
+              <a:rPr lang="en-US" altLang="zh-TW" sz="800" dirty="0" smtClean="0">
+                <a:latin typeface="微軟正黑體" panose="020B0604030504040204" pitchFamily="34" charset="-120"/>
+                <a:ea typeface="微軟正黑體" panose="020B0604030504040204" pitchFamily="34" charset="-120"/>
+              </a:rPr>
+              <a:t>": </a:t>
+            </a:r>
+            <a:r>
+              <a:rPr lang="en-US" altLang="zh-TW" sz="800" dirty="0" smtClean="0">
+                <a:latin typeface="微軟正黑體" panose="020B0604030504040204" pitchFamily="34" charset="-120"/>
+                <a:ea typeface="微軟正黑體" panose="020B0604030504040204" pitchFamily="34" charset="-120"/>
+              </a:rPr>
+              <a:t>"20230410"</a:t>
             </a:r>
             <a:r>
               <a:rPr lang="zh-TW" altLang="en-US" sz="800" dirty="0" smtClean="0">
@@ -3356,11 +3411,39 @@
               <a:t>endDueDate</a:t>
             </a:r>
             <a:r>
+              <a:rPr lang="en-US" altLang="zh-TW" sz="800" dirty="0">
+                <a:latin typeface="微軟正黑體" panose="020B0604030504040204" pitchFamily="34" charset="-120"/>
+                <a:ea typeface="微軟正黑體" panose="020B0604030504040204" pitchFamily="34" charset="-120"/>
+              </a:rPr>
+              <a:t> / </a:t>
+            </a:r>
+            <a:r>
+              <a:rPr lang="en-US" altLang="zh-TW" sz="800" dirty="0" err="1" smtClean="0">
+                <a:latin typeface="微軟正黑體" panose="020B0604030504040204" pitchFamily="34" charset="-120"/>
+                <a:ea typeface="微軟正黑體" panose="020B0604030504040204" pitchFamily="34" charset="-120"/>
+              </a:rPr>
+              <a:t>endIssueDate</a:t>
+            </a:r>
+            <a:r>
               <a:rPr lang="en-US" altLang="zh-TW" sz="800" dirty="0" smtClean="0">
                 <a:latin typeface="微軟正黑體" panose="020B0604030504040204" pitchFamily="34" charset="-120"/>
                 <a:ea typeface="微軟正黑體" panose="020B0604030504040204" pitchFamily="34" charset="-120"/>
               </a:rPr>
-              <a:t>": "20230410"</a:t>
+              <a:t> </a:t>
+            </a:r>
+            <a:r>
+              <a:rPr lang="en-US" altLang="zh-TW" sz="800" dirty="0">
+                <a:latin typeface="微軟正黑體" panose="020B0604030504040204" pitchFamily="34" charset="-120"/>
+                <a:ea typeface="微軟正黑體" panose="020B0604030504040204" pitchFamily="34" charset="-120"/>
+              </a:rPr>
+              <a:t>": </a:t>
+            </a:r>
+            <a:r>
+              <a:rPr lang="en-US" altLang="zh-TW" sz="800" dirty="0" smtClean="0">
+                <a:latin typeface="微軟正黑體" panose="020B0604030504040204" pitchFamily="34" charset="-120"/>
+                <a:ea typeface="微軟正黑體" panose="020B0604030504040204" pitchFamily="34" charset="-120"/>
+              </a:rPr>
+              <a:t>"20230410"</a:t>
             </a:r>
             <a:r>
               <a:rPr lang="zh-TW" altLang="en-US" sz="800" dirty="0" smtClean="0">
@@ -3430,7 +3513,21 @@
                 <a:latin typeface="微軟正黑體" panose="020B0604030504040204" pitchFamily="34" charset="-120"/>
                 <a:ea typeface="微軟正黑體" panose="020B0604030504040204" pitchFamily="34" charset="-120"/>
               </a:rPr>
-              <a:t>        "TEMPORARY"(</a:t>
+              <a:t>        </a:t>
+            </a:r>
+            <a:r>
+              <a:rPr lang="en-US" altLang="zh-TW" sz="800" dirty="0" smtClean="0">
+                <a:latin typeface="微軟正黑體" panose="020B0604030504040204" pitchFamily="34" charset="-120"/>
+                <a:ea typeface="微軟正黑體" panose="020B0604030504040204" pitchFamily="34" charset="-120"/>
+              </a:rPr>
+              <a:t>                 "</a:t>
+            </a:r>
+            <a:r>
+              <a:rPr lang="en-US" altLang="zh-TW" sz="800" dirty="0" smtClean="0">
+                <a:latin typeface="微軟正黑體" panose="020B0604030504040204" pitchFamily="34" charset="-120"/>
+                <a:ea typeface="微軟正黑體" panose="020B0604030504040204" pitchFamily="34" charset="-120"/>
+              </a:rPr>
+              <a:t>TEMPORARY"(</a:t>
             </a:r>
             <a:r>
               <a:rPr lang="zh-TW" altLang="en-US" sz="800" dirty="0" smtClean="0">
@@ -3458,7 +3555,21 @@
                 <a:latin typeface="微軟正黑體" panose="020B0604030504040204" pitchFamily="34" charset="-120"/>
                 <a:ea typeface="微軟正黑體" panose="020B0604030504040204" pitchFamily="34" charset="-120"/>
               </a:rPr>
-              <a:t>        "VALIDATED"(</a:t>
+              <a:t>        </a:t>
+            </a:r>
+            <a:r>
+              <a:rPr lang="en-US" altLang="zh-TW" sz="800" dirty="0" smtClean="0">
+                <a:latin typeface="微軟正黑體" panose="020B0604030504040204" pitchFamily="34" charset="-120"/>
+                <a:ea typeface="微軟正黑體" panose="020B0604030504040204" pitchFamily="34" charset="-120"/>
+              </a:rPr>
+              <a:t>                  "</a:t>
+            </a:r>
+            <a:r>
+              <a:rPr lang="en-US" altLang="zh-TW" sz="800" dirty="0" smtClean="0">
+                <a:latin typeface="微軟正黑體" panose="020B0604030504040204" pitchFamily="34" charset="-120"/>
+                <a:ea typeface="微軟正黑體" panose="020B0604030504040204" pitchFamily="34" charset="-120"/>
+              </a:rPr>
+              <a:t>VALIDATED"(</a:t>
             </a:r>
             <a:r>
               <a:rPr lang="zh-TW" altLang="en-US" sz="800" dirty="0" smtClean="0">
@@ -3486,7 +3597,21 @@
                 <a:latin typeface="微軟正黑體" panose="020B0604030504040204" pitchFamily="34" charset="-120"/>
                 <a:ea typeface="微軟正黑體" panose="020B0604030504040204" pitchFamily="34" charset="-120"/>
               </a:rPr>
-              <a:t>        "BILLED"(</a:t>
+              <a:t>        </a:t>
+            </a:r>
+            <a:r>
+              <a:rPr lang="en-US" altLang="zh-TW" sz="800" dirty="0" smtClean="0">
+                <a:latin typeface="微軟正黑體" panose="020B0604030504040204" pitchFamily="34" charset="-120"/>
+                <a:ea typeface="微軟正黑體" panose="020B0604030504040204" pitchFamily="34" charset="-120"/>
+              </a:rPr>
+              <a:t>                  "</a:t>
+            </a:r>
+            <a:r>
+              <a:rPr lang="en-US" altLang="zh-TW" sz="800" dirty="0" smtClean="0">
+                <a:latin typeface="微軟正黑體" panose="020B0604030504040204" pitchFamily="34" charset="-120"/>
+                <a:ea typeface="微軟正黑體" panose="020B0604030504040204" pitchFamily="34" charset="-120"/>
+              </a:rPr>
+              <a:t>BILLED"(</a:t>
             </a:r>
             <a:r>
               <a:rPr lang="zh-TW" altLang="en-US" sz="800" dirty="0" smtClean="0">
@@ -3514,7 +3639,21 @@
                 <a:latin typeface="微軟正黑體" panose="020B0604030504040204" pitchFamily="34" charset="-120"/>
                 <a:ea typeface="微軟正黑體" panose="020B0604030504040204" pitchFamily="34" charset="-120"/>
               </a:rPr>
-              <a:t>        "PAYING"(</a:t>
+              <a:t>        </a:t>
+            </a:r>
+            <a:r>
+              <a:rPr lang="en-US" altLang="zh-TW" sz="800" dirty="0" smtClean="0">
+                <a:latin typeface="微軟正黑體" panose="020B0604030504040204" pitchFamily="34" charset="-120"/>
+                <a:ea typeface="微軟正黑體" panose="020B0604030504040204" pitchFamily="34" charset="-120"/>
+              </a:rPr>
+              <a:t>                   "</a:t>
+            </a:r>
+            <a:r>
+              <a:rPr lang="en-US" altLang="zh-TW" sz="800" dirty="0" smtClean="0">
+                <a:latin typeface="微軟正黑體" panose="020B0604030504040204" pitchFamily="34" charset="-120"/>
+                <a:ea typeface="微軟正黑體" panose="020B0604030504040204" pitchFamily="34" charset="-120"/>
+              </a:rPr>
+              <a:t>PAYING"(</a:t>
             </a:r>
             <a:r>
               <a:rPr lang="zh-TW" altLang="en-US" sz="800" dirty="0" smtClean="0">
@@ -3542,7 +3681,21 @@
                 <a:latin typeface="微軟正黑體" panose="020B0604030504040204" pitchFamily="34" charset="-120"/>
                 <a:ea typeface="微軟正黑體" panose="020B0604030504040204" pitchFamily="34" charset="-120"/>
               </a:rPr>
-              <a:t>        "COMPLETE"(</a:t>
+              <a:t>        </a:t>
+            </a:r>
+            <a:r>
+              <a:rPr lang="en-US" altLang="zh-TW" sz="800" dirty="0" smtClean="0">
+                <a:latin typeface="微軟正黑體" panose="020B0604030504040204" pitchFamily="34" charset="-120"/>
+                <a:ea typeface="微軟正黑體" panose="020B0604030504040204" pitchFamily="34" charset="-120"/>
+              </a:rPr>
+              <a:t>                   "</a:t>
+            </a:r>
+            <a:r>
+              <a:rPr lang="en-US" altLang="zh-TW" sz="800" dirty="0" smtClean="0">
+                <a:latin typeface="微軟正黑體" panose="020B0604030504040204" pitchFamily="34" charset="-120"/>
+                <a:ea typeface="微軟正黑體" panose="020B0604030504040204" pitchFamily="34" charset="-120"/>
+              </a:rPr>
+              <a:t>COMPLETE"(</a:t>
             </a:r>
             <a:r>
               <a:rPr lang="zh-TW" altLang="en-US" sz="800" dirty="0" smtClean="0">
@@ -3570,7 +3723,21 @@
                 <a:latin typeface="微軟正黑體" panose="020B0604030504040204" pitchFamily="34" charset="-120"/>
                 <a:ea typeface="微軟正黑體" panose="020B0604030504040204" pitchFamily="34" charset="-120"/>
               </a:rPr>
-              <a:t>        "INVALID"(</a:t>
+              <a:t>        </a:t>
+            </a:r>
+            <a:r>
+              <a:rPr lang="en-US" altLang="zh-TW" sz="800" dirty="0" smtClean="0">
+                <a:latin typeface="微軟正黑體" panose="020B0604030504040204" pitchFamily="34" charset="-120"/>
+                <a:ea typeface="微軟正黑體" panose="020B0604030504040204" pitchFamily="34" charset="-120"/>
+              </a:rPr>
+              <a:t>                  "</a:t>
+            </a:r>
+            <a:r>
+              <a:rPr lang="en-US" altLang="zh-TW" sz="800" dirty="0" smtClean="0">
+                <a:latin typeface="微軟正黑體" panose="020B0604030504040204" pitchFamily="34" charset="-120"/>
+                <a:ea typeface="微軟正黑體" panose="020B0604030504040204" pitchFamily="34" charset="-120"/>
+              </a:rPr>
+              <a:t>INVALID"(</a:t>
             </a:r>
             <a:r>
               <a:rPr lang="zh-TW" altLang="en-US" sz="800" dirty="0" smtClean="0">
@@ -3598,8 +3765,19 @@
                 <a:latin typeface="微軟正黑體" panose="020B0604030504040204" pitchFamily="34" charset="-120"/>
                 <a:ea typeface="微軟正黑體" panose="020B0604030504040204" pitchFamily="34" charset="-120"/>
               </a:rPr>
-              <a:t>    ]</a:t>
-            </a:r>
+              <a:t>    </a:t>
+            </a:r>
+            <a:r>
+              <a:rPr lang="en-US" altLang="zh-TW" sz="800" dirty="0" smtClean="0">
+                <a:latin typeface="微軟正黑體" panose="020B0604030504040204" pitchFamily="34" charset="-120"/>
+                <a:ea typeface="微軟正黑體" panose="020B0604030504040204" pitchFamily="34" charset="-120"/>
+              </a:rPr>
+              <a:t>                ]</a:t>
+            </a:r>
+            <a:endParaRPr lang="en-US" altLang="zh-TW" sz="800" dirty="0" smtClean="0">
+              <a:latin typeface="微軟正黑體" panose="020B0604030504040204" pitchFamily="34" charset="-120"/>
+              <a:ea typeface="微軟正黑體" panose="020B0604030504040204" pitchFamily="34" charset="-120"/>
+            </a:endParaRPr>
           </a:p>
           <a:p>
             <a:pPr>
@@ -3688,8 +3866,8 @@
         </p:nvSpPr>
         <p:spPr>
           <a:xfrm>
-            <a:off x="6431280" y="1973580"/>
-            <a:ext cx="1402080" cy="274320"/>
+            <a:off x="6934200" y="2035969"/>
+            <a:ext cx="876300" cy="173831"/>
           </a:xfrm>
           <a:prstGeom prst="rect">
             <a:avLst/>
@@ -3726,10 +3904,3781 @@
           </a:p>
         </p:txBody>
       </p:sp>
+      <p:sp>
+        <p:nvSpPr>
+          <p:cNvPr id="8" name="矩形 7"/>
+          <p:cNvSpPr/>
+          <p:nvPr/>
+        </p:nvSpPr>
+        <p:spPr>
+          <a:xfrm>
+            <a:off x="539620" y="1935956"/>
+            <a:ext cx="1239174" cy="140494"/>
+          </a:xfrm>
+          <a:prstGeom prst="rect">
+            <a:avLst/>
+          </a:prstGeom>
+          <a:noFill/>
+          <a:ln>
+            <a:solidFill>
+              <a:srgbClr val="FF0000"/>
+            </a:solidFill>
+          </a:ln>
+        </p:spPr>
+        <p:style>
+          <a:lnRef idx="2">
+            <a:schemeClr val="accent1">
+              <a:shade val="50000"/>
+            </a:schemeClr>
+          </a:lnRef>
+          <a:fillRef idx="1">
+            <a:schemeClr val="accent1"/>
+          </a:fillRef>
+          <a:effectRef idx="0">
+            <a:schemeClr val="accent1"/>
+          </a:effectRef>
+          <a:fontRef idx="minor">
+            <a:schemeClr val="lt1"/>
+          </a:fontRef>
+        </p:style>
+        <p:txBody>
+          <a:bodyPr rtlCol="0" anchor="ctr"/>
+          <a:lstStyle/>
+          <a:p>
+            <a:pPr algn="ctr"/>
+            <a:endParaRPr lang="zh-TW" altLang="en-US"/>
+          </a:p>
+        </p:txBody>
+      </p:sp>
+      <p:cxnSp>
+        <p:nvCxnSpPr>
+          <p:cNvPr id="9" name="肘形接點 8"/>
+          <p:cNvCxnSpPr>
+            <a:stCxn id="8" idx="3"/>
+            <a:endCxn id="7" idx="1"/>
+          </p:cNvCxnSpPr>
+          <p:nvPr/>
+        </p:nvCxnSpPr>
+        <p:spPr>
+          <a:xfrm>
+            <a:off x="1778794" y="2006203"/>
+            <a:ext cx="5155406" cy="116682"/>
+          </a:xfrm>
+          <a:prstGeom prst="bentConnector3">
+            <a:avLst/>
+          </a:prstGeom>
+          <a:ln w="12700">
+            <a:solidFill>
+              <a:srgbClr val="FF0000"/>
+            </a:solidFill>
+            <a:tailEnd type="stealth" w="lg" len="med"/>
+          </a:ln>
+        </p:spPr>
+        <p:style>
+          <a:lnRef idx="1">
+            <a:schemeClr val="accent1"/>
+          </a:lnRef>
+          <a:fillRef idx="0">
+            <a:schemeClr val="accent1"/>
+          </a:fillRef>
+          <a:effectRef idx="0">
+            <a:schemeClr val="accent1"/>
+          </a:effectRef>
+          <a:fontRef idx="minor">
+            <a:schemeClr val="tx1"/>
+          </a:fontRef>
+        </p:style>
+      </p:cxnSp>
+      <p:sp>
+        <p:nvSpPr>
+          <p:cNvPr id="12" name="矩形 11"/>
+          <p:cNvSpPr/>
+          <p:nvPr/>
+        </p:nvSpPr>
+        <p:spPr>
+          <a:xfrm>
+            <a:off x="539619" y="2122884"/>
+            <a:ext cx="1336805" cy="140494"/>
+          </a:xfrm>
+          <a:prstGeom prst="rect">
+            <a:avLst/>
+          </a:prstGeom>
+          <a:noFill/>
+          <a:ln>
+            <a:solidFill>
+              <a:srgbClr val="FF0000"/>
+            </a:solidFill>
+          </a:ln>
+        </p:spPr>
+        <p:style>
+          <a:lnRef idx="2">
+            <a:schemeClr val="accent1">
+              <a:shade val="50000"/>
+            </a:schemeClr>
+          </a:lnRef>
+          <a:fillRef idx="1">
+            <a:schemeClr val="accent1"/>
+          </a:fillRef>
+          <a:effectRef idx="0">
+            <a:schemeClr val="accent1"/>
+          </a:effectRef>
+          <a:fontRef idx="minor">
+            <a:schemeClr val="lt1"/>
+          </a:fontRef>
+        </p:style>
+        <p:txBody>
+          <a:bodyPr rtlCol="0" anchor="ctr"/>
+          <a:lstStyle/>
+          <a:p>
+            <a:pPr algn="ctr"/>
+            <a:endParaRPr lang="zh-TW" altLang="en-US"/>
+          </a:p>
+        </p:txBody>
+      </p:sp>
+      <p:sp>
+        <p:nvSpPr>
+          <p:cNvPr id="13" name="矩形 12"/>
+          <p:cNvSpPr/>
+          <p:nvPr/>
+        </p:nvSpPr>
+        <p:spPr>
+          <a:xfrm>
+            <a:off x="539619" y="2298650"/>
+            <a:ext cx="1239174" cy="140494"/>
+          </a:xfrm>
+          <a:prstGeom prst="rect">
+            <a:avLst/>
+          </a:prstGeom>
+          <a:noFill/>
+          <a:ln>
+            <a:solidFill>
+              <a:srgbClr val="FF0000"/>
+            </a:solidFill>
+          </a:ln>
+        </p:spPr>
+        <p:style>
+          <a:lnRef idx="2">
+            <a:schemeClr val="accent1">
+              <a:shade val="50000"/>
+            </a:schemeClr>
+          </a:lnRef>
+          <a:fillRef idx="1">
+            <a:schemeClr val="accent1"/>
+          </a:fillRef>
+          <a:effectRef idx="0">
+            <a:schemeClr val="accent1"/>
+          </a:effectRef>
+          <a:fontRef idx="minor">
+            <a:schemeClr val="lt1"/>
+          </a:fontRef>
+        </p:style>
+        <p:txBody>
+          <a:bodyPr rtlCol="0" anchor="ctr"/>
+          <a:lstStyle/>
+          <a:p>
+            <a:pPr algn="ctr"/>
+            <a:endParaRPr lang="zh-TW" altLang="en-US"/>
+          </a:p>
+        </p:txBody>
+      </p:sp>
+      <p:sp>
+        <p:nvSpPr>
+          <p:cNvPr id="14" name="矩形 13"/>
+          <p:cNvSpPr/>
+          <p:nvPr/>
+        </p:nvSpPr>
+        <p:spPr>
+          <a:xfrm>
+            <a:off x="539619" y="2474070"/>
+            <a:ext cx="1239174" cy="140494"/>
+          </a:xfrm>
+          <a:prstGeom prst="rect">
+            <a:avLst/>
+          </a:prstGeom>
+          <a:noFill/>
+          <a:ln>
+            <a:solidFill>
+              <a:srgbClr val="FF0000"/>
+            </a:solidFill>
+          </a:ln>
+        </p:spPr>
+        <p:style>
+          <a:lnRef idx="2">
+            <a:schemeClr val="accent1">
+              <a:shade val="50000"/>
+            </a:schemeClr>
+          </a:lnRef>
+          <a:fillRef idx="1">
+            <a:schemeClr val="accent1"/>
+          </a:fillRef>
+          <a:effectRef idx="0">
+            <a:schemeClr val="accent1"/>
+          </a:effectRef>
+          <a:fontRef idx="minor">
+            <a:schemeClr val="lt1"/>
+          </a:fontRef>
+        </p:style>
+        <p:txBody>
+          <a:bodyPr rtlCol="0" anchor="ctr"/>
+          <a:lstStyle/>
+          <a:p>
+            <a:pPr algn="ctr"/>
+            <a:endParaRPr lang="zh-TW" altLang="en-US"/>
+          </a:p>
+        </p:txBody>
+      </p:sp>
+      <p:sp>
+        <p:nvSpPr>
+          <p:cNvPr id="15" name="矩形 14"/>
+          <p:cNvSpPr/>
+          <p:nvPr/>
+        </p:nvSpPr>
+        <p:spPr>
+          <a:xfrm>
+            <a:off x="539619" y="2649490"/>
+            <a:ext cx="1239174" cy="140494"/>
+          </a:xfrm>
+          <a:prstGeom prst="rect">
+            <a:avLst/>
+          </a:prstGeom>
+          <a:noFill/>
+          <a:ln>
+            <a:solidFill>
+              <a:srgbClr val="FF0000"/>
+            </a:solidFill>
+          </a:ln>
+        </p:spPr>
+        <p:style>
+          <a:lnRef idx="2">
+            <a:schemeClr val="accent1">
+              <a:shade val="50000"/>
+            </a:schemeClr>
+          </a:lnRef>
+          <a:fillRef idx="1">
+            <a:schemeClr val="accent1"/>
+          </a:fillRef>
+          <a:effectRef idx="0">
+            <a:schemeClr val="accent1"/>
+          </a:effectRef>
+          <a:fontRef idx="minor">
+            <a:schemeClr val="lt1"/>
+          </a:fontRef>
+        </p:style>
+        <p:txBody>
+          <a:bodyPr rtlCol="0" anchor="ctr"/>
+          <a:lstStyle/>
+          <a:p>
+            <a:pPr algn="ctr"/>
+            <a:endParaRPr lang="zh-TW" altLang="en-US"/>
+          </a:p>
+        </p:txBody>
+      </p:sp>
+      <p:sp>
+        <p:nvSpPr>
+          <p:cNvPr id="16" name="矩形 15"/>
+          <p:cNvSpPr/>
+          <p:nvPr/>
+        </p:nvSpPr>
+        <p:spPr>
+          <a:xfrm>
+            <a:off x="539618" y="2828926"/>
+            <a:ext cx="3596613" cy="140494"/>
+          </a:xfrm>
+          <a:prstGeom prst="rect">
+            <a:avLst/>
+          </a:prstGeom>
+          <a:noFill/>
+          <a:ln>
+            <a:solidFill>
+              <a:srgbClr val="FF0000"/>
+            </a:solidFill>
+          </a:ln>
+        </p:spPr>
+        <p:style>
+          <a:lnRef idx="2">
+            <a:schemeClr val="accent1">
+              <a:shade val="50000"/>
+            </a:schemeClr>
+          </a:lnRef>
+          <a:fillRef idx="1">
+            <a:schemeClr val="accent1"/>
+          </a:fillRef>
+          <a:effectRef idx="0">
+            <a:schemeClr val="accent1"/>
+          </a:effectRef>
+          <a:fontRef idx="minor">
+            <a:schemeClr val="lt1"/>
+          </a:fontRef>
+        </p:style>
+        <p:txBody>
+          <a:bodyPr rtlCol="0" anchor="ctr"/>
+          <a:lstStyle/>
+          <a:p>
+            <a:pPr algn="ctr"/>
+            <a:endParaRPr lang="zh-TW" altLang="en-US"/>
+          </a:p>
+        </p:txBody>
+      </p:sp>
+      <p:sp>
+        <p:nvSpPr>
+          <p:cNvPr id="17" name="矩形 16"/>
+          <p:cNvSpPr/>
+          <p:nvPr/>
+        </p:nvSpPr>
+        <p:spPr>
+          <a:xfrm>
+            <a:off x="539618" y="3004346"/>
+            <a:ext cx="3596613" cy="140494"/>
+          </a:xfrm>
+          <a:prstGeom prst="rect">
+            <a:avLst/>
+          </a:prstGeom>
+          <a:noFill/>
+          <a:ln>
+            <a:solidFill>
+              <a:srgbClr val="FF0000"/>
+            </a:solidFill>
+          </a:ln>
+        </p:spPr>
+        <p:style>
+          <a:lnRef idx="2">
+            <a:schemeClr val="accent1">
+              <a:shade val="50000"/>
+            </a:schemeClr>
+          </a:lnRef>
+          <a:fillRef idx="1">
+            <a:schemeClr val="accent1"/>
+          </a:fillRef>
+          <a:effectRef idx="0">
+            <a:schemeClr val="accent1"/>
+          </a:effectRef>
+          <a:fontRef idx="minor">
+            <a:schemeClr val="lt1"/>
+          </a:fontRef>
+        </p:style>
+        <p:txBody>
+          <a:bodyPr rtlCol="0" anchor="ctr"/>
+          <a:lstStyle/>
+          <a:p>
+            <a:pPr algn="ctr"/>
+            <a:endParaRPr lang="zh-TW" altLang="en-US"/>
+          </a:p>
+        </p:txBody>
+      </p:sp>
+      <p:sp>
+        <p:nvSpPr>
+          <p:cNvPr id="18" name="矩形 17"/>
+          <p:cNvSpPr/>
+          <p:nvPr/>
+        </p:nvSpPr>
+        <p:spPr>
+          <a:xfrm>
+            <a:off x="539617" y="3182789"/>
+            <a:ext cx="1910689" cy="1372541"/>
+          </a:xfrm>
+          <a:prstGeom prst="rect">
+            <a:avLst/>
+          </a:prstGeom>
+          <a:noFill/>
+          <a:ln>
+            <a:solidFill>
+              <a:srgbClr val="FF0000"/>
+            </a:solidFill>
+          </a:ln>
+        </p:spPr>
+        <p:style>
+          <a:lnRef idx="2">
+            <a:schemeClr val="accent1">
+              <a:shade val="50000"/>
+            </a:schemeClr>
+          </a:lnRef>
+          <a:fillRef idx="1">
+            <a:schemeClr val="accent1"/>
+          </a:fillRef>
+          <a:effectRef idx="0">
+            <a:schemeClr val="accent1"/>
+          </a:effectRef>
+          <a:fontRef idx="minor">
+            <a:schemeClr val="lt1"/>
+          </a:fontRef>
+        </p:style>
+        <p:txBody>
+          <a:bodyPr rtlCol="0" anchor="ctr"/>
+          <a:lstStyle/>
+          <a:p>
+            <a:pPr algn="ctr"/>
+            <a:endParaRPr lang="zh-TW" altLang="en-US"/>
+          </a:p>
+        </p:txBody>
+      </p:sp>
+      <p:sp>
+        <p:nvSpPr>
+          <p:cNvPr id="19" name="矩形 18"/>
+          <p:cNvSpPr/>
+          <p:nvPr/>
+        </p:nvSpPr>
+        <p:spPr>
+          <a:xfrm>
+            <a:off x="8341519" y="2035969"/>
+            <a:ext cx="876300" cy="173831"/>
+          </a:xfrm>
+          <a:prstGeom prst="rect">
+            <a:avLst/>
+          </a:prstGeom>
+          <a:noFill/>
+          <a:ln>
+            <a:solidFill>
+              <a:srgbClr val="FF0000"/>
+            </a:solidFill>
+          </a:ln>
+        </p:spPr>
+        <p:style>
+          <a:lnRef idx="2">
+            <a:schemeClr val="accent1">
+              <a:shade val="50000"/>
+            </a:schemeClr>
+          </a:lnRef>
+          <a:fillRef idx="1">
+            <a:schemeClr val="accent1"/>
+          </a:fillRef>
+          <a:effectRef idx="0">
+            <a:schemeClr val="accent1"/>
+          </a:effectRef>
+          <a:fontRef idx="minor">
+            <a:schemeClr val="lt1"/>
+          </a:fontRef>
+        </p:style>
+        <p:txBody>
+          <a:bodyPr rtlCol="0" anchor="ctr"/>
+          <a:lstStyle/>
+          <a:p>
+            <a:pPr algn="ctr"/>
+            <a:endParaRPr lang="zh-TW" altLang="en-US"/>
+          </a:p>
+        </p:txBody>
+      </p:sp>
+      <p:sp>
+        <p:nvSpPr>
+          <p:cNvPr id="20" name="矩形 19"/>
+          <p:cNvSpPr/>
+          <p:nvPr/>
+        </p:nvSpPr>
+        <p:spPr>
+          <a:xfrm>
+            <a:off x="9748838" y="2035969"/>
+            <a:ext cx="876300" cy="173831"/>
+          </a:xfrm>
+          <a:prstGeom prst="rect">
+            <a:avLst/>
+          </a:prstGeom>
+          <a:noFill/>
+          <a:ln>
+            <a:solidFill>
+              <a:srgbClr val="FF0000"/>
+            </a:solidFill>
+          </a:ln>
+        </p:spPr>
+        <p:style>
+          <a:lnRef idx="2">
+            <a:schemeClr val="accent1">
+              <a:shade val="50000"/>
+            </a:schemeClr>
+          </a:lnRef>
+          <a:fillRef idx="1">
+            <a:schemeClr val="accent1"/>
+          </a:fillRef>
+          <a:effectRef idx="0">
+            <a:schemeClr val="accent1"/>
+          </a:effectRef>
+          <a:fontRef idx="minor">
+            <a:schemeClr val="lt1"/>
+          </a:fontRef>
+        </p:style>
+        <p:txBody>
+          <a:bodyPr rtlCol="0" anchor="ctr"/>
+          <a:lstStyle/>
+          <a:p>
+            <a:pPr algn="ctr"/>
+            <a:endParaRPr lang="zh-TW" altLang="en-US"/>
+          </a:p>
+        </p:txBody>
+      </p:sp>
+      <p:sp>
+        <p:nvSpPr>
+          <p:cNvPr id="21" name="矩形 20"/>
+          <p:cNvSpPr/>
+          <p:nvPr/>
+        </p:nvSpPr>
+        <p:spPr>
+          <a:xfrm>
+            <a:off x="11184732" y="2040731"/>
+            <a:ext cx="845343" cy="173831"/>
+          </a:xfrm>
+          <a:prstGeom prst="rect">
+            <a:avLst/>
+          </a:prstGeom>
+          <a:noFill/>
+          <a:ln>
+            <a:solidFill>
+              <a:srgbClr val="FF0000"/>
+            </a:solidFill>
+          </a:ln>
+        </p:spPr>
+        <p:style>
+          <a:lnRef idx="2">
+            <a:schemeClr val="accent1">
+              <a:shade val="50000"/>
+            </a:schemeClr>
+          </a:lnRef>
+          <a:fillRef idx="1">
+            <a:schemeClr val="accent1"/>
+          </a:fillRef>
+          <a:effectRef idx="0">
+            <a:schemeClr val="accent1"/>
+          </a:effectRef>
+          <a:fontRef idx="minor">
+            <a:schemeClr val="lt1"/>
+          </a:fontRef>
+        </p:style>
+        <p:txBody>
+          <a:bodyPr rtlCol="0" anchor="ctr"/>
+          <a:lstStyle/>
+          <a:p>
+            <a:pPr algn="ctr"/>
+            <a:endParaRPr lang="zh-TW" altLang="en-US"/>
+          </a:p>
+        </p:txBody>
+      </p:sp>
+      <p:sp>
+        <p:nvSpPr>
+          <p:cNvPr id="22" name="矩形 21"/>
+          <p:cNvSpPr/>
+          <p:nvPr/>
+        </p:nvSpPr>
+        <p:spPr>
+          <a:xfrm>
+            <a:off x="6934200" y="2285017"/>
+            <a:ext cx="876300" cy="173831"/>
+          </a:xfrm>
+          <a:prstGeom prst="rect">
+            <a:avLst/>
+          </a:prstGeom>
+          <a:noFill/>
+          <a:ln>
+            <a:solidFill>
+              <a:srgbClr val="FF0000"/>
+            </a:solidFill>
+          </a:ln>
+        </p:spPr>
+        <p:style>
+          <a:lnRef idx="2">
+            <a:schemeClr val="accent1">
+              <a:shade val="50000"/>
+            </a:schemeClr>
+          </a:lnRef>
+          <a:fillRef idx="1">
+            <a:schemeClr val="accent1"/>
+          </a:fillRef>
+          <a:effectRef idx="0">
+            <a:schemeClr val="accent1"/>
+          </a:effectRef>
+          <a:fontRef idx="minor">
+            <a:schemeClr val="lt1"/>
+          </a:fontRef>
+        </p:style>
+        <p:txBody>
+          <a:bodyPr rtlCol="0" anchor="ctr"/>
+          <a:lstStyle/>
+          <a:p>
+            <a:pPr algn="ctr"/>
+            <a:endParaRPr lang="zh-TW" altLang="en-US"/>
+          </a:p>
+        </p:txBody>
+      </p:sp>
+      <p:sp>
+        <p:nvSpPr>
+          <p:cNvPr id="23" name="矩形 22"/>
+          <p:cNvSpPr/>
+          <p:nvPr/>
+        </p:nvSpPr>
+        <p:spPr>
+          <a:xfrm>
+            <a:off x="9310687" y="2281652"/>
+            <a:ext cx="1150143" cy="173831"/>
+          </a:xfrm>
+          <a:prstGeom prst="rect">
+            <a:avLst/>
+          </a:prstGeom>
+          <a:noFill/>
+          <a:ln>
+            <a:solidFill>
+              <a:srgbClr val="FF0000"/>
+            </a:solidFill>
+          </a:ln>
+        </p:spPr>
+        <p:style>
+          <a:lnRef idx="2">
+            <a:schemeClr val="accent1">
+              <a:shade val="50000"/>
+            </a:schemeClr>
+          </a:lnRef>
+          <a:fillRef idx="1">
+            <a:schemeClr val="accent1"/>
+          </a:fillRef>
+          <a:effectRef idx="0">
+            <a:schemeClr val="accent1"/>
+          </a:effectRef>
+          <a:fontRef idx="minor">
+            <a:schemeClr val="lt1"/>
+          </a:fontRef>
+        </p:style>
+        <p:txBody>
+          <a:bodyPr rtlCol="0" anchor="ctr"/>
+          <a:lstStyle/>
+          <a:p>
+            <a:pPr algn="ctr"/>
+            <a:endParaRPr lang="zh-TW" altLang="en-US"/>
+          </a:p>
+        </p:txBody>
+      </p:sp>
+      <p:cxnSp>
+        <p:nvCxnSpPr>
+          <p:cNvPr id="24" name="肘形接點 23"/>
+          <p:cNvCxnSpPr>
+            <a:stCxn id="12" idx="3"/>
+            <a:endCxn id="19" idx="0"/>
+          </p:cNvCxnSpPr>
+          <p:nvPr/>
+        </p:nvCxnSpPr>
+        <p:spPr>
+          <a:xfrm flipV="1">
+            <a:off x="1876424" y="2035969"/>
+            <a:ext cx="6903245" cy="157162"/>
+          </a:xfrm>
+          <a:prstGeom prst="bentConnector4">
+            <a:avLst>
+              <a:gd name="adj1" fmla="val 46826"/>
+              <a:gd name="adj2" fmla="val 245455"/>
+            </a:avLst>
+          </a:prstGeom>
+          <a:ln w="12700">
+            <a:solidFill>
+              <a:srgbClr val="FF0000"/>
+            </a:solidFill>
+            <a:tailEnd type="stealth" w="lg" len="med"/>
+          </a:ln>
+        </p:spPr>
+        <p:style>
+          <a:lnRef idx="1">
+            <a:schemeClr val="accent1"/>
+          </a:lnRef>
+          <a:fillRef idx="0">
+            <a:schemeClr val="accent1"/>
+          </a:fillRef>
+          <a:effectRef idx="0">
+            <a:schemeClr val="accent1"/>
+          </a:effectRef>
+          <a:fontRef idx="minor">
+            <a:schemeClr val="tx1"/>
+          </a:fontRef>
+        </p:style>
+      </p:cxnSp>
+      <p:cxnSp>
+        <p:nvCxnSpPr>
+          <p:cNvPr id="27" name="肘形接點 26"/>
+          <p:cNvCxnSpPr>
+            <a:stCxn id="13" idx="3"/>
+            <a:endCxn id="20" idx="0"/>
+          </p:cNvCxnSpPr>
+          <p:nvPr/>
+        </p:nvCxnSpPr>
+        <p:spPr>
+          <a:xfrm flipV="1">
+            <a:off x="1778793" y="2035969"/>
+            <a:ext cx="8408195" cy="332928"/>
+          </a:xfrm>
+          <a:prstGeom prst="bentConnector4">
+            <a:avLst>
+              <a:gd name="adj1" fmla="val 47395"/>
+              <a:gd name="adj2" fmla="val 193458"/>
+            </a:avLst>
+          </a:prstGeom>
+          <a:ln w="12700">
+            <a:solidFill>
+              <a:srgbClr val="FF0000"/>
+            </a:solidFill>
+            <a:tailEnd type="stealth" w="lg" len="med"/>
+          </a:ln>
+        </p:spPr>
+        <p:style>
+          <a:lnRef idx="1">
+            <a:schemeClr val="accent1"/>
+          </a:lnRef>
+          <a:fillRef idx="0">
+            <a:schemeClr val="accent1"/>
+          </a:fillRef>
+          <a:effectRef idx="0">
+            <a:schemeClr val="accent1"/>
+          </a:effectRef>
+          <a:fontRef idx="minor">
+            <a:schemeClr val="tx1"/>
+          </a:fontRef>
+        </p:style>
+      </p:cxnSp>
+      <p:cxnSp>
+        <p:nvCxnSpPr>
+          <p:cNvPr id="31" name="肘形接點 30"/>
+          <p:cNvCxnSpPr>
+            <a:stCxn id="14" idx="3"/>
+            <a:endCxn id="21" idx="0"/>
+          </p:cNvCxnSpPr>
+          <p:nvPr/>
+        </p:nvCxnSpPr>
+        <p:spPr>
+          <a:xfrm flipV="1">
+            <a:off x="1778793" y="2040731"/>
+            <a:ext cx="9828611" cy="503586"/>
+          </a:xfrm>
+          <a:prstGeom prst="bentConnector4">
+            <a:avLst>
+              <a:gd name="adj1" fmla="val 47850"/>
+              <a:gd name="adj2" fmla="val 200876"/>
+            </a:avLst>
+          </a:prstGeom>
+          <a:ln w="12700">
+            <a:solidFill>
+              <a:srgbClr val="FF0000"/>
+            </a:solidFill>
+            <a:tailEnd type="stealth" w="lg" len="med"/>
+          </a:ln>
+        </p:spPr>
+        <p:style>
+          <a:lnRef idx="1">
+            <a:schemeClr val="accent1"/>
+          </a:lnRef>
+          <a:fillRef idx="0">
+            <a:schemeClr val="accent1"/>
+          </a:fillRef>
+          <a:effectRef idx="0">
+            <a:schemeClr val="accent1"/>
+          </a:effectRef>
+          <a:fontRef idx="minor">
+            <a:schemeClr val="tx1"/>
+          </a:fontRef>
+        </p:style>
+      </p:cxnSp>
+      <p:cxnSp>
+        <p:nvCxnSpPr>
+          <p:cNvPr id="35" name="肘形接點 34"/>
+          <p:cNvCxnSpPr>
+            <a:endCxn id="22" idx="2"/>
+          </p:cNvCxnSpPr>
+          <p:nvPr/>
+        </p:nvCxnSpPr>
+        <p:spPr>
+          <a:xfrm flipV="1">
+            <a:off x="1778792" y="2458848"/>
+            <a:ext cx="5593558" cy="265303"/>
+          </a:xfrm>
+          <a:prstGeom prst="bentConnector2">
+            <a:avLst/>
+          </a:prstGeom>
+          <a:ln w="12700">
+            <a:solidFill>
+              <a:srgbClr val="FF0000"/>
+            </a:solidFill>
+            <a:tailEnd type="stealth" w="lg" len="med"/>
+          </a:ln>
+        </p:spPr>
+        <p:style>
+          <a:lnRef idx="1">
+            <a:schemeClr val="accent1"/>
+          </a:lnRef>
+          <a:fillRef idx="0">
+            <a:schemeClr val="accent1"/>
+          </a:fillRef>
+          <a:effectRef idx="0">
+            <a:schemeClr val="accent1"/>
+          </a:effectRef>
+          <a:fontRef idx="minor">
+            <a:schemeClr val="tx1"/>
+          </a:fontRef>
+        </p:style>
+      </p:cxnSp>
+      <p:cxnSp>
+        <p:nvCxnSpPr>
+          <p:cNvPr id="38" name="肘形接點 37"/>
+          <p:cNvCxnSpPr>
+            <a:stCxn id="16" idx="3"/>
+            <a:endCxn id="23" idx="2"/>
+          </p:cNvCxnSpPr>
+          <p:nvPr/>
+        </p:nvCxnSpPr>
+        <p:spPr>
+          <a:xfrm flipV="1">
+            <a:off x="4136231" y="2455483"/>
+            <a:ext cx="5749528" cy="443690"/>
+          </a:xfrm>
+          <a:prstGeom prst="bentConnector2">
+            <a:avLst/>
+          </a:prstGeom>
+          <a:ln w="12700">
+            <a:solidFill>
+              <a:srgbClr val="FF0000"/>
+            </a:solidFill>
+            <a:tailEnd type="stealth" w="lg" len="med"/>
+          </a:ln>
+        </p:spPr>
+        <p:style>
+          <a:lnRef idx="1">
+            <a:schemeClr val="accent1"/>
+          </a:lnRef>
+          <a:fillRef idx="0">
+            <a:schemeClr val="accent1"/>
+          </a:fillRef>
+          <a:effectRef idx="0">
+            <a:schemeClr val="accent1"/>
+          </a:effectRef>
+          <a:fontRef idx="minor">
+            <a:schemeClr val="tx1"/>
+          </a:fontRef>
+        </p:style>
+      </p:cxnSp>
+      <p:cxnSp>
+        <p:nvCxnSpPr>
+          <p:cNvPr id="41" name="肘形接點 40"/>
+          <p:cNvCxnSpPr>
+            <a:endCxn id="23" idx="2"/>
+          </p:cNvCxnSpPr>
+          <p:nvPr/>
+        </p:nvCxnSpPr>
+        <p:spPr>
+          <a:xfrm flipV="1">
+            <a:off x="4130336" y="2455483"/>
+            <a:ext cx="5755423" cy="607549"/>
+          </a:xfrm>
+          <a:prstGeom prst="bentConnector2">
+            <a:avLst/>
+          </a:prstGeom>
+          <a:ln w="12700">
+            <a:solidFill>
+              <a:srgbClr val="FF0000"/>
+            </a:solidFill>
+            <a:tailEnd type="stealth" w="lg" len="med"/>
+          </a:ln>
+        </p:spPr>
+        <p:style>
+          <a:lnRef idx="1">
+            <a:schemeClr val="accent1"/>
+          </a:lnRef>
+          <a:fillRef idx="0">
+            <a:schemeClr val="accent1"/>
+          </a:fillRef>
+          <a:effectRef idx="0">
+            <a:schemeClr val="accent1"/>
+          </a:effectRef>
+          <a:fontRef idx="minor">
+            <a:schemeClr val="tx1"/>
+          </a:fontRef>
+        </p:style>
+      </p:cxnSp>
+      <p:sp>
+        <p:nvSpPr>
+          <p:cNvPr id="43" name="圓角矩形 42"/>
+          <p:cNvSpPr/>
+          <p:nvPr/>
+        </p:nvSpPr>
+        <p:spPr>
+          <a:xfrm>
+            <a:off x="8341519" y="2281652"/>
+            <a:ext cx="918596" cy="157492"/>
+          </a:xfrm>
+          <a:prstGeom prst="roundRect">
+            <a:avLst/>
+          </a:prstGeom>
+          <a:noFill/>
+          <a:ln>
+            <a:solidFill>
+              <a:srgbClr val="0070C0"/>
+            </a:solidFill>
+          </a:ln>
+        </p:spPr>
+        <p:style>
+          <a:lnRef idx="2">
+            <a:schemeClr val="accent1">
+              <a:shade val="50000"/>
+            </a:schemeClr>
+          </a:lnRef>
+          <a:fillRef idx="1">
+            <a:schemeClr val="accent1"/>
+          </a:fillRef>
+          <a:effectRef idx="0">
+            <a:schemeClr val="accent1"/>
+          </a:effectRef>
+          <a:fontRef idx="minor">
+            <a:schemeClr val="lt1"/>
+          </a:fontRef>
+        </p:style>
+        <p:txBody>
+          <a:bodyPr rtlCol="0" anchor="ctr"/>
+          <a:lstStyle/>
+          <a:p>
+            <a:pPr algn="ctr"/>
+            <a:endParaRPr lang="zh-TW" altLang="en-US"/>
+          </a:p>
+        </p:txBody>
+      </p:sp>
+      <p:sp>
+        <p:nvSpPr>
+          <p:cNvPr id="44" name="矩形 43"/>
+          <p:cNvSpPr/>
+          <p:nvPr/>
+        </p:nvSpPr>
+        <p:spPr>
+          <a:xfrm>
+            <a:off x="8261270" y="2392178"/>
+            <a:ext cx="1173719" cy="215444"/>
+          </a:xfrm>
+          <a:prstGeom prst="rect">
+            <a:avLst/>
+          </a:prstGeom>
+        </p:spPr>
+        <p:txBody>
+          <a:bodyPr wrap="none">
+            <a:spAutoFit/>
+          </a:bodyPr>
+          <a:lstStyle/>
+          <a:p>
+            <a:r>
+              <a:rPr lang="zh-TW" altLang="en-US" sz="800" dirty="0">
+                <a:solidFill>
+                  <a:srgbClr val="FF0000"/>
+                </a:solidFill>
+                <a:latin typeface="微軟正黑體" panose="020B0604030504040204" pitchFamily="34" charset="-120"/>
+                <a:ea typeface="微軟正黑體" panose="020B0604030504040204" pitchFamily="34" charset="-120"/>
+              </a:rPr>
+              <a:t>IssueDate / DueDate</a:t>
+            </a:r>
+          </a:p>
+        </p:txBody>
+      </p:sp>
+      <p:sp>
+        <p:nvSpPr>
+          <p:cNvPr id="45" name="圓角矩形 44"/>
+          <p:cNvSpPr/>
+          <p:nvPr/>
+        </p:nvSpPr>
+        <p:spPr>
+          <a:xfrm>
+            <a:off x="6865620" y="2564021"/>
+            <a:ext cx="1653540" cy="113307"/>
+          </a:xfrm>
+          <a:prstGeom prst="roundRect">
+            <a:avLst/>
+          </a:prstGeom>
+          <a:noFill/>
+          <a:ln>
+            <a:solidFill>
+              <a:srgbClr val="FF0000"/>
+            </a:solidFill>
+          </a:ln>
+        </p:spPr>
+        <p:style>
+          <a:lnRef idx="2">
+            <a:schemeClr val="accent1">
+              <a:shade val="50000"/>
+            </a:schemeClr>
+          </a:lnRef>
+          <a:fillRef idx="1">
+            <a:schemeClr val="accent1"/>
+          </a:fillRef>
+          <a:effectRef idx="0">
+            <a:schemeClr val="accent1"/>
+          </a:effectRef>
+          <a:fontRef idx="minor">
+            <a:schemeClr val="lt1"/>
+          </a:fontRef>
+        </p:style>
+        <p:txBody>
+          <a:bodyPr rtlCol="0" anchor="ctr"/>
+          <a:lstStyle/>
+          <a:p>
+            <a:pPr algn="ctr"/>
+            <a:endParaRPr lang="zh-TW" altLang="en-US"/>
+          </a:p>
+        </p:txBody>
+      </p:sp>
+      <p:cxnSp>
+        <p:nvCxnSpPr>
+          <p:cNvPr id="46" name="肘形接點 45"/>
+          <p:cNvCxnSpPr>
+            <a:stCxn id="18" idx="3"/>
+            <a:endCxn id="45" idx="2"/>
+          </p:cNvCxnSpPr>
+          <p:nvPr/>
+        </p:nvCxnSpPr>
+        <p:spPr>
+          <a:xfrm flipV="1">
+            <a:off x="2450306" y="2677328"/>
+            <a:ext cx="5242084" cy="1191732"/>
+          </a:xfrm>
+          <a:prstGeom prst="bentConnector2">
+            <a:avLst/>
+          </a:prstGeom>
+          <a:ln w="12700">
+            <a:solidFill>
+              <a:srgbClr val="FF0000"/>
+            </a:solidFill>
+            <a:tailEnd type="stealth" w="lg" len="med"/>
+          </a:ln>
+        </p:spPr>
+        <p:style>
+          <a:lnRef idx="1">
+            <a:schemeClr val="accent1"/>
+          </a:lnRef>
+          <a:fillRef idx="0">
+            <a:schemeClr val="accent1"/>
+          </a:fillRef>
+          <a:effectRef idx="0">
+            <a:schemeClr val="accent1"/>
+          </a:effectRef>
+          <a:fontRef idx="minor">
+            <a:schemeClr val="tx1"/>
+          </a:fontRef>
+        </p:style>
+      </p:cxnSp>
     </p:spTree>
     <p:extLst>
       <p:ext uri="{BB962C8B-B14F-4D97-AF65-F5344CB8AC3E}">
         <p14:creationId xmlns:p14="http://schemas.microsoft.com/office/powerpoint/2010/main" val="215876423"/>
+      </p:ext>
+    </p:extLst>
+  </p:cSld>
+  <p:clrMapOvr>
+    <a:masterClrMapping/>
+  </p:clrMapOvr>
+</p:sld>
+</file>
+
+<file path=ppt/slides/slide3.xml><?xml version="1.0" encoding="utf-8"?>
+<p:sld xmlns:a="http://schemas.openxmlformats.org/drawingml/2006/main" xmlns:r="http://schemas.openxmlformats.org/officeDocument/2006/relationships" xmlns:p="http://schemas.openxmlformats.org/presentationml/2006/main">
+  <p:cSld>
+    <p:spTree>
+      <p:nvGrpSpPr>
+        <p:cNvPr id="1" name=""/>
+        <p:cNvGrpSpPr/>
+        <p:nvPr/>
+      </p:nvGrpSpPr>
+      <p:grpSpPr>
+        <a:xfrm>
+          <a:off x="0" y="0"/>
+          <a:ext cx="0" cy="0"/>
+          <a:chOff x="0" y="0"/>
+          <a:chExt cx="0" cy="0"/>
+        </a:xfrm>
+      </p:grpSpPr>
+      <p:sp>
+        <p:nvSpPr>
+          <p:cNvPr id="2" name="標題 1"/>
+          <p:cNvSpPr>
+            <a:spLocks noGrp="1"/>
+          </p:cNvSpPr>
+          <p:nvPr>
+            <p:ph type="title"/>
+          </p:nvPr>
+        </p:nvSpPr>
+        <p:spPr>
+          <a:xfrm>
+            <a:off x="0" y="0"/>
+            <a:ext cx="10515600" cy="1325563"/>
+          </a:xfrm>
+        </p:spPr>
+        <p:txBody>
+          <a:bodyPr/>
+          <a:lstStyle/>
+          <a:p>
+            <a:r>
+              <a:rPr lang="zh-TW" altLang="en-US" dirty="0" smtClean="0">
+                <a:latin typeface="微軟正黑體" panose="020B0604030504040204" pitchFamily="34" charset="-120"/>
+                <a:ea typeface="微軟正黑體" panose="020B0604030504040204" pitchFamily="34" charset="-120"/>
+              </a:rPr>
+              <a:t>發票查帳</a:t>
+            </a:r>
+            <a:r>
+              <a:rPr lang="zh-TW" altLang="en-US" dirty="0" smtClean="0">
+                <a:latin typeface="微軟正黑體" panose="020B0604030504040204" pitchFamily="34" charset="-120"/>
+                <a:ea typeface="微軟正黑體" panose="020B0604030504040204" pitchFamily="34" charset="-120"/>
+              </a:rPr>
+              <a:t>單</a:t>
+            </a:r>
+            <a:r>
+              <a:rPr lang="en-US" altLang="zh-TW" dirty="0" smtClean="0">
+                <a:latin typeface="微軟正黑體" panose="020B0604030504040204" pitchFamily="34" charset="-120"/>
+                <a:ea typeface="微軟正黑體" panose="020B0604030504040204" pitchFamily="34" charset="-120"/>
+              </a:rPr>
+              <a:t>-Response</a:t>
+            </a:r>
+            <a:endParaRPr lang="zh-TW" altLang="en-US" dirty="0"/>
+          </a:p>
+        </p:txBody>
+      </p:sp>
+      <p:pic>
+        <p:nvPicPr>
+          <p:cNvPr id="4" name="圖片 3"/>
+          <p:cNvPicPr>
+            <a:picLocks noChangeAspect="1"/>
+          </p:cNvPicPr>
+          <p:nvPr/>
+        </p:nvPicPr>
+        <p:blipFill>
+          <a:blip r:embed="rId2"/>
+          <a:stretch>
+            <a:fillRect/>
+          </a:stretch>
+        </p:blipFill>
+        <p:spPr>
+          <a:xfrm>
+            <a:off x="6238875" y="851392"/>
+            <a:ext cx="5863770" cy="3208259"/>
+          </a:xfrm>
+          <a:prstGeom prst="rect">
+            <a:avLst/>
+          </a:prstGeom>
+        </p:spPr>
+      </p:pic>
+      <p:sp>
+        <p:nvSpPr>
+          <p:cNvPr id="3" name="矩形 2"/>
+          <p:cNvSpPr/>
+          <p:nvPr/>
+        </p:nvSpPr>
+        <p:spPr>
+          <a:xfrm>
+            <a:off x="209550" y="879440"/>
+            <a:ext cx="4686300" cy="6240170"/>
+          </a:xfrm>
+          <a:prstGeom prst="rect">
+            <a:avLst/>
+          </a:prstGeom>
+        </p:spPr>
+        <p:txBody>
+          <a:bodyPr wrap="square">
+            <a:spAutoFit/>
+          </a:bodyPr>
+          <a:lstStyle/>
+          <a:p>
+            <a:r>
+              <a:rPr lang="zh-TW" altLang="en-US" sz="850" dirty="0">
+                <a:latin typeface="微軟正黑體" panose="020B0604030504040204" pitchFamily="34" charset="-120"/>
+                <a:ea typeface="微軟正黑體" panose="020B0604030504040204" pitchFamily="34" charset="-120"/>
+              </a:rPr>
+              <a:t>[</a:t>
+            </a:r>
+          </a:p>
+          <a:p>
+            <a:r>
+              <a:rPr lang="zh-TW" altLang="en-US" sz="850" dirty="0">
+                <a:latin typeface="微軟正黑體" panose="020B0604030504040204" pitchFamily="34" charset="-120"/>
+                <a:ea typeface="微軟正黑體" panose="020B0604030504040204" pitchFamily="34" charset="-120"/>
+              </a:rPr>
+              <a:t>    {</a:t>
+            </a:r>
+          </a:p>
+          <a:p>
+            <a:r>
+              <a:rPr lang="zh-TW" altLang="en-US" sz="850" dirty="0">
+                <a:latin typeface="微軟正黑體" panose="020B0604030504040204" pitchFamily="34" charset="-120"/>
+                <a:ea typeface="微軟正黑體" panose="020B0604030504040204" pitchFamily="34" charset="-120"/>
+              </a:rPr>
+              <a:t>        "InvoiceWKMaster": {</a:t>
+            </a:r>
+          </a:p>
+          <a:p>
+            <a:r>
+              <a:rPr lang="zh-TW" altLang="en-US" sz="850" dirty="0">
+                <a:latin typeface="微軟正黑體" panose="020B0604030504040204" pitchFamily="34" charset="-120"/>
+                <a:ea typeface="微軟正黑體" panose="020B0604030504040204" pitchFamily="34" charset="-120"/>
+              </a:rPr>
+              <a:t>            "IssueDate": "2023-04-10T12:00:00",</a:t>
+            </a:r>
+          </a:p>
+          <a:p>
+            <a:r>
+              <a:rPr lang="zh-TW" altLang="en-US" sz="850" dirty="0">
+                <a:latin typeface="微軟正黑體" panose="020B0604030504040204" pitchFamily="34" charset="-120"/>
+                <a:ea typeface="微軟正黑體" panose="020B0604030504040204" pitchFamily="34" charset="-120"/>
+              </a:rPr>
+              <a:t>            "DedAmount": </a:t>
+            </a:r>
+            <a:r>
+              <a:rPr lang="en-US" altLang="zh-TW" sz="850" dirty="0" smtClean="0">
+                <a:latin typeface="微軟正黑體" panose="020B0604030504040204" pitchFamily="34" charset="-120"/>
+                <a:ea typeface="微軟正黑體" panose="020B0604030504040204" pitchFamily="34" charset="-120"/>
+              </a:rPr>
+              <a:t>float / </a:t>
+            </a:r>
+            <a:r>
+              <a:rPr lang="zh-TW" altLang="en-US" sz="850" dirty="0" smtClean="0">
+                <a:latin typeface="微軟正黑體" panose="020B0604030504040204" pitchFamily="34" charset="-120"/>
+                <a:ea typeface="微軟正黑體" panose="020B0604030504040204" pitchFamily="34" charset="-120"/>
+              </a:rPr>
+              <a:t>null,</a:t>
+            </a:r>
+            <a:endParaRPr lang="zh-TW" altLang="en-US" sz="850" dirty="0">
+              <a:latin typeface="微軟正黑體" panose="020B0604030504040204" pitchFamily="34" charset="-120"/>
+              <a:ea typeface="微軟正黑體" panose="020B0604030504040204" pitchFamily="34" charset="-120"/>
+            </a:endParaRPr>
+          </a:p>
+          <a:p>
+            <a:r>
+              <a:rPr lang="zh-TW" altLang="en-US" sz="850" dirty="0">
+                <a:latin typeface="微軟正黑體" panose="020B0604030504040204" pitchFamily="34" charset="-120"/>
+                <a:ea typeface="微軟正黑體" panose="020B0604030504040204" pitchFamily="34" charset="-120"/>
+              </a:rPr>
+              <a:t>            "DueDate": "2023-06-09T12:00:00",</a:t>
+            </a:r>
+          </a:p>
+          <a:p>
+            <a:r>
+              <a:rPr lang="zh-TW" altLang="en-US" sz="850" dirty="0">
+                <a:latin typeface="微軟正黑體" panose="020B0604030504040204" pitchFamily="34" charset="-120"/>
+                <a:ea typeface="微軟正黑體" panose="020B0604030504040204" pitchFamily="34" charset="-120"/>
+              </a:rPr>
+              <a:t>            "PaidAmount": 6072.0,</a:t>
+            </a:r>
+          </a:p>
+          <a:p>
+            <a:r>
+              <a:rPr lang="zh-TW" altLang="en-US" sz="850" dirty="0">
+                <a:latin typeface="微軟正黑體" panose="020B0604030504040204" pitchFamily="34" charset="-120"/>
+                <a:ea typeface="微軟正黑體" panose="020B0604030504040204" pitchFamily="34" charset="-120"/>
+              </a:rPr>
+              <a:t>            "InvoiceNo": "16170",</a:t>
+            </a:r>
+          </a:p>
+          <a:p>
+            <a:r>
+              <a:rPr lang="zh-TW" altLang="en-US" sz="850" dirty="0">
+                <a:latin typeface="微軟正黑體" panose="020B0604030504040204" pitchFamily="34" charset="-120"/>
+                <a:ea typeface="微軟正黑體" panose="020B0604030504040204" pitchFamily="34" charset="-120"/>
+              </a:rPr>
+              <a:t>            "PartyName": "",</a:t>
+            </a:r>
+          </a:p>
+          <a:p>
+            <a:r>
+              <a:rPr lang="zh-TW" altLang="en-US" sz="850" dirty="0">
+                <a:latin typeface="微軟正黑體" panose="020B0604030504040204" pitchFamily="34" charset="-120"/>
+                <a:ea typeface="微軟正黑體" panose="020B0604030504040204" pitchFamily="34" charset="-120"/>
+              </a:rPr>
+              <a:t>            "CreateDate": "2023-04-11T11:53:42",</a:t>
+            </a:r>
+          </a:p>
+          <a:p>
+            <a:r>
+              <a:rPr lang="zh-TW" altLang="en-US" sz="850" dirty="0">
+                <a:latin typeface="微軟正黑體" panose="020B0604030504040204" pitchFamily="34" charset="-120"/>
+                <a:ea typeface="微軟正黑體" panose="020B0604030504040204" pitchFamily="34" charset="-120"/>
+              </a:rPr>
+              <a:t>            "WKMasterID": 19,</a:t>
+            </a:r>
+          </a:p>
+          <a:p>
+            <a:r>
+              <a:rPr lang="zh-TW" altLang="en-US" sz="850" dirty="0">
+                <a:latin typeface="微軟正黑體" panose="020B0604030504040204" pitchFamily="34" charset="-120"/>
+                <a:ea typeface="微軟正黑體" panose="020B0604030504040204" pitchFamily="34" charset="-120"/>
+              </a:rPr>
+              <a:t>            "IsPro": false,</a:t>
+            </a:r>
+          </a:p>
+          <a:p>
+            <a:r>
+              <a:rPr lang="zh-TW" altLang="en-US" sz="850" dirty="0">
+                <a:latin typeface="微軟正黑體" panose="020B0604030504040204" pitchFamily="34" charset="-120"/>
+                <a:ea typeface="微軟正黑體" panose="020B0604030504040204" pitchFamily="34" charset="-120"/>
+              </a:rPr>
+              <a:t>            "PaidDate": "2023-06-09T10:17:19",</a:t>
+            </a:r>
+          </a:p>
+          <a:p>
+            <a:r>
+              <a:rPr lang="zh-TW" altLang="en-US" sz="850" dirty="0">
+                <a:latin typeface="微軟正黑體" panose="020B0604030504040204" pitchFamily="34" charset="-120"/>
+                <a:ea typeface="微軟正黑體" panose="020B0604030504040204" pitchFamily="34" charset="-120"/>
+              </a:rPr>
+              <a:t>            "SupplierName": "Ciena-JP",</a:t>
+            </a:r>
+          </a:p>
+          <a:p>
+            <a:r>
+              <a:rPr lang="zh-TW" altLang="en-US" sz="850" dirty="0">
+                <a:latin typeface="微軟正黑體" panose="020B0604030504040204" pitchFamily="34" charset="-120"/>
+                <a:ea typeface="微軟正黑體" panose="020B0604030504040204" pitchFamily="34" charset="-120"/>
+              </a:rPr>
+              <a:t>            "IsRecharge": false,</a:t>
+            </a:r>
+          </a:p>
+          <a:p>
+            <a:r>
+              <a:rPr lang="zh-TW" altLang="en-US" sz="850" dirty="0">
+                <a:latin typeface="微軟正黑體" panose="020B0604030504040204" pitchFamily="34" charset="-120"/>
+                <a:ea typeface="微軟正黑體" panose="020B0604030504040204" pitchFamily="34" charset="-120"/>
+              </a:rPr>
+              <a:t>            "Status": "COMPLETE",</a:t>
+            </a:r>
+          </a:p>
+          <a:p>
+            <a:r>
+              <a:rPr lang="zh-TW" altLang="en-US" sz="850" dirty="0">
+                <a:latin typeface="微軟正黑體" panose="020B0604030504040204" pitchFamily="34" charset="-120"/>
+                <a:ea typeface="微軟正黑體" panose="020B0604030504040204" pitchFamily="34" charset="-120"/>
+              </a:rPr>
+              <a:t>            "SubmarineCable": "TPE",</a:t>
+            </a:r>
+          </a:p>
+          <a:p>
+            <a:r>
+              <a:rPr lang="zh-TW" altLang="en-US" sz="850" dirty="0">
+                <a:latin typeface="微軟正黑體" panose="020B0604030504040204" pitchFamily="34" charset="-120"/>
+                <a:ea typeface="微軟正黑體" panose="020B0604030504040204" pitchFamily="34" charset="-120"/>
+              </a:rPr>
+              <a:t>            "IsLiability": true,</a:t>
+            </a:r>
+          </a:p>
+          <a:p>
+            <a:r>
+              <a:rPr lang="zh-TW" altLang="en-US" sz="850" dirty="0">
+                <a:latin typeface="微軟正黑體" panose="020B0604030504040204" pitchFamily="34" charset="-120"/>
+                <a:ea typeface="微軟正黑體" panose="020B0604030504040204" pitchFamily="34" charset="-120"/>
+              </a:rPr>
+              <a:t>            "WorkTitle": "Upgrade",</a:t>
+            </a:r>
+          </a:p>
+          <a:p>
+            <a:r>
+              <a:rPr lang="zh-TW" altLang="en-US" sz="850" dirty="0">
+                <a:latin typeface="微軟正黑體" panose="020B0604030504040204" pitchFamily="34" charset="-120"/>
+                <a:ea typeface="微軟正黑體" panose="020B0604030504040204" pitchFamily="34" charset="-120"/>
+              </a:rPr>
+              <a:t>            "IsCreditMemo": null,</a:t>
+            </a:r>
+          </a:p>
+          <a:p>
+            <a:r>
+              <a:rPr lang="zh-TW" altLang="en-US" sz="850" dirty="0">
+                <a:latin typeface="微軟正黑體" panose="020B0604030504040204" pitchFamily="34" charset="-120"/>
+                <a:ea typeface="微軟正黑體" panose="020B0604030504040204" pitchFamily="34" charset="-120"/>
+              </a:rPr>
+              <a:t>            "ContractType": "SC",</a:t>
+            </a:r>
+          </a:p>
+          <a:p>
+            <a:r>
+              <a:rPr lang="zh-TW" altLang="en-US" sz="850" dirty="0">
+                <a:latin typeface="微軟正黑體" panose="020B0604030504040204" pitchFamily="34" charset="-120"/>
+                <a:ea typeface="微軟正黑體" panose="020B0604030504040204" pitchFamily="34" charset="-120"/>
+              </a:rPr>
+              <a:t>            "TotalAmount": 6072.</a:t>
+            </a:r>
+            <a:r>
+              <a:rPr lang="zh-TW" altLang="en-US" sz="850" dirty="0" smtClean="0">
+                <a:latin typeface="微軟正黑體" panose="020B0604030504040204" pitchFamily="34" charset="-120"/>
+                <a:ea typeface="微軟正黑體" panose="020B0604030504040204" pitchFamily="34" charset="-120"/>
+              </a:rPr>
+              <a:t>0</a:t>
+            </a:r>
+            <a:r>
+              <a:rPr lang="en-US" altLang="zh-TW" sz="850" dirty="0" smtClean="0">
+                <a:latin typeface="微軟正黑體" panose="020B0604030504040204" pitchFamily="34" charset="-120"/>
+                <a:ea typeface="微軟正黑體" panose="020B0604030504040204" pitchFamily="34" charset="-120"/>
+              </a:rPr>
+              <a:t>,</a:t>
+            </a:r>
+          </a:p>
+          <a:p>
+            <a:r>
+              <a:rPr lang="en-US" altLang="zh-TW" sz="850" dirty="0" smtClean="0">
+                <a:latin typeface="微軟正黑體" panose="020B0604030504040204" pitchFamily="34" charset="-120"/>
+                <a:ea typeface="微軟正黑體" panose="020B0604030504040204" pitchFamily="34" charset="-120"/>
+              </a:rPr>
+              <a:t>            "</a:t>
+            </a:r>
+            <a:r>
+              <a:rPr lang="en-US" altLang="zh-TW" sz="850" dirty="0" err="1">
+                <a:latin typeface="微軟正黑體" panose="020B0604030504040204" pitchFamily="34" charset="-120"/>
+                <a:ea typeface="微軟正黑體" panose="020B0604030504040204" pitchFamily="34" charset="-120"/>
+              </a:rPr>
+              <a:t>BillMilestone</a:t>
+            </a:r>
+            <a:r>
+              <a:rPr lang="en-US" altLang="zh-TW" sz="850" dirty="0">
+                <a:latin typeface="微軟正黑體" panose="020B0604030504040204" pitchFamily="34" charset="-120"/>
+                <a:ea typeface="微軟正黑體" panose="020B0604030504040204" pitchFamily="34" charset="-120"/>
+              </a:rPr>
+              <a:t>": "11_BM3"</a:t>
+            </a:r>
+            <a:endParaRPr lang="zh-TW" altLang="en-US" sz="850" dirty="0">
+              <a:latin typeface="微軟正黑體" panose="020B0604030504040204" pitchFamily="34" charset="-120"/>
+              <a:ea typeface="微軟正黑體" panose="020B0604030504040204" pitchFamily="34" charset="-120"/>
+            </a:endParaRPr>
+          </a:p>
+          <a:p>
+            <a:r>
+              <a:rPr lang="zh-TW" altLang="en-US" sz="850" dirty="0">
+                <a:latin typeface="微軟正黑體" panose="020B0604030504040204" pitchFamily="34" charset="-120"/>
+                <a:ea typeface="微軟正黑體" panose="020B0604030504040204" pitchFamily="34" charset="-120"/>
+              </a:rPr>
+              <a:t>        },</a:t>
+            </a:r>
+          </a:p>
+          <a:p>
+            <a:r>
+              <a:rPr lang="zh-TW" altLang="en-US" sz="850" dirty="0">
+                <a:latin typeface="微軟正黑體" panose="020B0604030504040204" pitchFamily="34" charset="-120"/>
+                <a:ea typeface="微軟正黑體" panose="020B0604030504040204" pitchFamily="34" charset="-120"/>
+              </a:rPr>
+              <a:t>        "BillMaster": [</a:t>
+            </a:r>
+          </a:p>
+          <a:p>
+            <a:r>
+              <a:rPr lang="zh-TW" altLang="en-US" sz="850" dirty="0">
+                <a:latin typeface="微軟正黑體" panose="020B0604030504040204" pitchFamily="34" charset="-120"/>
+                <a:ea typeface="微軟正黑體" panose="020B0604030504040204" pitchFamily="34" charset="-120"/>
+              </a:rPr>
+              <a:t>            {</a:t>
+            </a:r>
+          </a:p>
+          <a:p>
+            <a:r>
+              <a:rPr lang="zh-TW" altLang="en-US" sz="850" dirty="0">
+                <a:latin typeface="微軟正黑體" panose="020B0604030504040204" pitchFamily="34" charset="-120"/>
+                <a:ea typeface="微軟正黑體" panose="020B0604030504040204" pitchFamily="34" charset="-120"/>
+              </a:rPr>
+              <a:t>                "WorkTitle": "Upgrade",</a:t>
+            </a:r>
+          </a:p>
+          <a:p>
+            <a:r>
+              <a:rPr lang="zh-TW" altLang="en-US" sz="850" dirty="0">
+                <a:latin typeface="微軟正黑體" panose="020B0604030504040204" pitchFamily="34" charset="-120"/>
+                <a:ea typeface="微軟正黑體" panose="020B0604030504040204" pitchFamily="34" charset="-120"/>
+              </a:rPr>
+              <a:t>                "BillingNo": "03UP-CU2304271121</a:t>
+            </a:r>
+            <a:r>
+              <a:rPr lang="zh-TW" altLang="en-US" sz="850" dirty="0" smtClean="0">
+                <a:latin typeface="微軟正黑體" panose="020B0604030504040204" pitchFamily="34" charset="-120"/>
+                <a:ea typeface="微軟正黑體" panose="020B0604030504040204" pitchFamily="34" charset="-120"/>
+              </a:rPr>
+              <a:t>",</a:t>
+            </a:r>
+            <a:endParaRPr lang="en-US" altLang="zh-TW" sz="850" dirty="0" smtClean="0">
+              <a:latin typeface="微軟正黑體" panose="020B0604030504040204" pitchFamily="34" charset="-120"/>
+              <a:ea typeface="微軟正黑體" panose="020B0604030504040204" pitchFamily="34" charset="-120"/>
+            </a:endParaRPr>
+          </a:p>
+          <a:p>
+            <a:r>
+              <a:rPr lang="zh-TW" altLang="en-US" sz="850" dirty="0" smtClean="0">
+                <a:latin typeface="微軟正黑體" panose="020B0604030504040204" pitchFamily="34" charset="-120"/>
+                <a:ea typeface="微軟正黑體" panose="020B0604030504040204" pitchFamily="34" charset="-120"/>
+              </a:rPr>
+              <a:t>                </a:t>
+            </a:r>
+            <a:r>
+              <a:rPr lang="zh-TW" altLang="en-US" sz="850" dirty="0">
+                <a:latin typeface="微軟正黑體" panose="020B0604030504040204" pitchFamily="34" charset="-120"/>
+                <a:ea typeface="微軟正黑體" panose="020B0604030504040204" pitchFamily="34" charset="-120"/>
+              </a:rPr>
+              <a:t>"</a:t>
+            </a:r>
+            <a:r>
+              <a:rPr lang="en-US" altLang="zh-TW" sz="850" dirty="0" err="1" smtClean="0">
+                <a:latin typeface="微軟正黑體" panose="020B0604030504040204" pitchFamily="34" charset="-120"/>
+                <a:ea typeface="微軟正黑體" panose="020B0604030504040204" pitchFamily="34" charset="-120"/>
+              </a:rPr>
+              <a:t>BillMilestone</a:t>
+            </a:r>
+            <a:r>
+              <a:rPr lang="zh-TW" altLang="en-US" sz="850" dirty="0" smtClean="0">
+                <a:latin typeface="微軟正黑體" panose="020B0604030504040204" pitchFamily="34" charset="-120"/>
+                <a:ea typeface="微軟正黑體" panose="020B0604030504040204" pitchFamily="34" charset="-120"/>
+              </a:rPr>
+              <a:t>": </a:t>
+            </a:r>
+            <a:r>
+              <a:rPr lang="zh-TW" altLang="en-US" sz="850" dirty="0">
+                <a:latin typeface="微軟正黑體" panose="020B0604030504040204" pitchFamily="34" charset="-120"/>
+                <a:ea typeface="微軟正黑體" panose="020B0604030504040204" pitchFamily="34" charset="-120"/>
+              </a:rPr>
+              <a:t>"</a:t>
+            </a:r>
+            <a:r>
+              <a:rPr lang="en-US" altLang="zh-TW" sz="850" dirty="0" smtClean="0">
+                <a:latin typeface="微軟正黑體" panose="020B0604030504040204" pitchFamily="34" charset="-120"/>
+                <a:ea typeface="微軟正黑體" panose="020B0604030504040204" pitchFamily="34" charset="-120"/>
+              </a:rPr>
+              <a:t>String</a:t>
+            </a:r>
+            <a:r>
+              <a:rPr lang="zh-TW" altLang="en-US" sz="850" dirty="0" smtClean="0">
+                <a:latin typeface="微軟正黑體" panose="020B0604030504040204" pitchFamily="34" charset="-120"/>
+                <a:ea typeface="微軟正黑體" panose="020B0604030504040204" pitchFamily="34" charset="-120"/>
+              </a:rPr>
+              <a:t>",</a:t>
+            </a:r>
+            <a:endParaRPr lang="zh-TW" altLang="en-US" sz="850" dirty="0">
+              <a:latin typeface="微軟正黑體" panose="020B0604030504040204" pitchFamily="34" charset="-120"/>
+              <a:ea typeface="微軟正黑體" panose="020B0604030504040204" pitchFamily="34" charset="-120"/>
+            </a:endParaRPr>
+          </a:p>
+          <a:p>
+            <a:r>
+              <a:rPr lang="zh-TW" altLang="en-US" sz="850" dirty="0">
+                <a:latin typeface="微軟正黑體" panose="020B0604030504040204" pitchFamily="34" charset="-120"/>
+                <a:ea typeface="微軟正黑體" panose="020B0604030504040204" pitchFamily="34" charset="-120"/>
+              </a:rPr>
+              <a:t>                "PONo": "",</a:t>
+            </a:r>
+          </a:p>
+          <a:p>
+            <a:r>
+              <a:rPr lang="zh-TW" altLang="en-US" sz="850" dirty="0">
+                <a:latin typeface="微軟正黑體" panose="020B0604030504040204" pitchFamily="34" charset="-120"/>
+                <a:ea typeface="微軟正黑體" panose="020B0604030504040204" pitchFamily="34" charset="-120"/>
+              </a:rPr>
+              <a:t>                "PartyName": "CU",</a:t>
+            </a:r>
+          </a:p>
+          <a:p>
+            <a:r>
+              <a:rPr lang="zh-TW" altLang="en-US" sz="850" dirty="0">
+                <a:latin typeface="微軟正黑體" panose="020B0604030504040204" pitchFamily="34" charset="-120"/>
+                <a:ea typeface="微軟正黑體" panose="020B0604030504040204" pitchFamily="34" charset="-120"/>
+              </a:rPr>
+              <a:t>                "DueDate": "2023-05-24T00:00:00",</a:t>
+            </a:r>
+          </a:p>
+          <a:p>
+            <a:r>
+              <a:rPr lang="zh-TW" altLang="en-US" sz="850" dirty="0">
+                <a:latin typeface="微軟正黑體" panose="020B0604030504040204" pitchFamily="34" charset="-120"/>
+                <a:ea typeface="微軟正黑體" panose="020B0604030504040204" pitchFamily="34" charset="-120"/>
+              </a:rPr>
+              <a:t>                "ReceivedAmountSum": 5795.11,</a:t>
+            </a:r>
+          </a:p>
+          <a:p>
+            <a:r>
+              <a:rPr lang="zh-TW" altLang="en-US" sz="850" dirty="0">
+                <a:latin typeface="微軟正黑體" panose="020B0604030504040204" pitchFamily="34" charset="-120"/>
+                <a:ea typeface="微軟正黑體" panose="020B0604030504040204" pitchFamily="34" charset="-120"/>
+              </a:rPr>
+              <a:t>                "IsPro": false,</a:t>
+            </a:r>
+          </a:p>
+          <a:p>
+            <a:r>
+              <a:rPr lang="zh-TW" altLang="en-US" sz="850" dirty="0">
+                <a:latin typeface="微軟正黑體" panose="020B0604030504040204" pitchFamily="34" charset="-120"/>
+                <a:ea typeface="微軟正黑體" panose="020B0604030504040204" pitchFamily="34" charset="-120"/>
+              </a:rPr>
+              <a:t>                "URI": "s3://cht-deploy-bucket-1/(CU) TPECR-CU041901_credit(PDF).pdf",</a:t>
+            </a:r>
+          </a:p>
+          <a:p>
+            <a:r>
+              <a:rPr lang="zh-TW" altLang="en-US" sz="850" dirty="0">
+                <a:latin typeface="微軟正黑體" panose="020B0604030504040204" pitchFamily="34" charset="-120"/>
+                <a:ea typeface="微軟正黑體" panose="020B0604030504040204" pitchFamily="34" charset="-120"/>
+              </a:rPr>
+              <a:t>                "BillMasterID": 12,</a:t>
+            </a:r>
+          </a:p>
+          <a:p>
+            <a:r>
+              <a:rPr lang="zh-TW" altLang="en-US" sz="850" dirty="0">
+                <a:latin typeface="微軟正黑體" panose="020B0604030504040204" pitchFamily="34" charset="-120"/>
+                <a:ea typeface="微軟正黑體" panose="020B0604030504040204" pitchFamily="34" charset="-120"/>
+              </a:rPr>
+              <a:t>                "SubmarineCable": "TPE",</a:t>
+            </a:r>
+          </a:p>
+          <a:p>
+            <a:r>
+              <a:rPr lang="zh-TW" altLang="en-US" sz="850" dirty="0">
+                <a:latin typeface="微軟正黑體" panose="020B0604030504040204" pitchFamily="34" charset="-120"/>
+                <a:ea typeface="微軟正黑體" panose="020B0604030504040204" pitchFamily="34" charset="-120"/>
+              </a:rPr>
+              <a:t>                "IssueDate": "2023-04-27T00:00:00",</a:t>
+            </a:r>
+          </a:p>
+          <a:p>
+            <a:r>
+              <a:rPr lang="zh-TW" altLang="en-US" sz="850" dirty="0">
+                <a:latin typeface="微軟正黑體" panose="020B0604030504040204" pitchFamily="34" charset="-120"/>
+                <a:ea typeface="微軟正黑體" panose="020B0604030504040204" pitchFamily="34" charset="-120"/>
+              </a:rPr>
+              <a:t>                "FeeAmountSum": 5810.0,</a:t>
+            </a:r>
+          </a:p>
+          <a:p>
+            <a:r>
+              <a:rPr lang="zh-TW" altLang="en-US" sz="850" dirty="0">
+                <a:latin typeface="微軟正黑體" panose="020B0604030504040204" pitchFamily="34" charset="-120"/>
+                <a:ea typeface="微軟正黑體" panose="020B0604030504040204" pitchFamily="34" charset="-120"/>
+              </a:rPr>
+              <a:t>                "BankFees": 14.89,</a:t>
+            </a:r>
+          </a:p>
+          <a:p>
+            <a:r>
+              <a:rPr lang="zh-TW" altLang="en-US" sz="850" dirty="0">
+                <a:latin typeface="微軟正黑體" panose="020B0604030504040204" pitchFamily="34" charset="-120"/>
+                <a:ea typeface="微軟正黑體" panose="020B0604030504040204" pitchFamily="34" charset="-120"/>
+              </a:rPr>
+              <a:t>                "Status": "COMPLETE"</a:t>
+            </a:r>
+          </a:p>
+          <a:p>
+            <a:r>
+              <a:rPr lang="zh-TW" altLang="en-US" sz="850" dirty="0">
+                <a:latin typeface="微軟正黑體" panose="020B0604030504040204" pitchFamily="34" charset="-120"/>
+                <a:ea typeface="微軟正黑體" panose="020B0604030504040204" pitchFamily="34" charset="-120"/>
+              </a:rPr>
+              <a:t>            },</a:t>
+            </a:r>
+          </a:p>
+          <a:p>
+            <a:r>
+              <a:rPr lang="zh-TW" altLang="en-US" sz="850" dirty="0">
+                <a:latin typeface="微軟正黑體" panose="020B0604030504040204" pitchFamily="34" charset="-120"/>
+                <a:ea typeface="微軟正黑體" panose="020B0604030504040204" pitchFamily="34" charset="-120"/>
+              </a:rPr>
+              <a:t>            {...},</a:t>
+            </a:r>
+          </a:p>
+          <a:p>
+            <a:r>
+              <a:rPr lang="zh-TW" altLang="en-US" sz="850" dirty="0">
+                <a:latin typeface="微軟正黑體" panose="020B0604030504040204" pitchFamily="34" charset="-120"/>
+                <a:ea typeface="微軟正黑體" panose="020B0604030504040204" pitchFamily="34" charset="-120"/>
+              </a:rPr>
+              <a:t>        ]</a:t>
+            </a:r>
+          </a:p>
+          <a:p>
+            <a:r>
+              <a:rPr lang="zh-TW" altLang="en-US" sz="850" dirty="0">
+                <a:latin typeface="微軟正黑體" panose="020B0604030504040204" pitchFamily="34" charset="-120"/>
+                <a:ea typeface="微軟正黑體" panose="020B0604030504040204" pitchFamily="34" charset="-120"/>
+              </a:rPr>
+              <a:t>    },</a:t>
+            </a:r>
+          </a:p>
+          <a:p>
+            <a:r>
+              <a:rPr lang="zh-TW" altLang="en-US" sz="850" dirty="0" smtClean="0">
+                <a:latin typeface="微軟正黑體" panose="020B0604030504040204" pitchFamily="34" charset="-120"/>
+                <a:ea typeface="微軟正黑體" panose="020B0604030504040204" pitchFamily="34" charset="-120"/>
+              </a:rPr>
+              <a:t>    {</a:t>
+            </a:r>
+            <a:r>
+              <a:rPr lang="zh-TW" altLang="en-US" sz="850" dirty="0">
+                <a:latin typeface="微軟正黑體" panose="020B0604030504040204" pitchFamily="34" charset="-120"/>
+                <a:ea typeface="微軟正黑體" panose="020B0604030504040204" pitchFamily="34" charset="-120"/>
+              </a:rPr>
+              <a:t>...}</a:t>
+            </a:r>
+          </a:p>
+          <a:p>
+            <a:r>
+              <a:rPr lang="zh-TW" altLang="en-US" sz="850" dirty="0">
+                <a:latin typeface="微軟正黑體" panose="020B0604030504040204" pitchFamily="34" charset="-120"/>
+                <a:ea typeface="微軟正黑體" panose="020B0604030504040204" pitchFamily="34" charset="-120"/>
+              </a:rPr>
+              <a:t>]</a:t>
+            </a:r>
+          </a:p>
+        </p:txBody>
+      </p:sp>
+      <p:sp>
+        <p:nvSpPr>
+          <p:cNvPr id="32" name="矩形 31"/>
+          <p:cNvSpPr/>
+          <p:nvPr/>
+        </p:nvSpPr>
+        <p:spPr>
+          <a:xfrm>
+            <a:off x="6705206" y="2571163"/>
+            <a:ext cx="309957" cy="140494"/>
+          </a:xfrm>
+          <a:prstGeom prst="rect">
+            <a:avLst/>
+          </a:prstGeom>
+          <a:noFill/>
+          <a:ln>
+            <a:solidFill>
+              <a:srgbClr val="FF0000"/>
+            </a:solidFill>
+          </a:ln>
+        </p:spPr>
+        <p:style>
+          <a:lnRef idx="2">
+            <a:schemeClr val="accent1">
+              <a:shade val="50000"/>
+            </a:schemeClr>
+          </a:lnRef>
+          <a:fillRef idx="1">
+            <a:schemeClr val="accent1"/>
+          </a:fillRef>
+          <a:effectRef idx="0">
+            <a:schemeClr val="accent1"/>
+          </a:effectRef>
+          <a:fontRef idx="minor">
+            <a:schemeClr val="lt1"/>
+          </a:fontRef>
+        </p:style>
+        <p:txBody>
+          <a:bodyPr rtlCol="0" anchor="ctr"/>
+          <a:lstStyle/>
+          <a:p>
+            <a:pPr algn="ctr"/>
+            <a:endParaRPr lang="zh-TW" altLang="en-US"/>
+          </a:p>
+        </p:txBody>
+      </p:sp>
+      <p:sp>
+        <p:nvSpPr>
+          <p:cNvPr id="33" name="矩形 32"/>
+          <p:cNvSpPr/>
+          <p:nvPr/>
+        </p:nvSpPr>
+        <p:spPr>
+          <a:xfrm>
+            <a:off x="7129633" y="2571163"/>
+            <a:ext cx="309957" cy="140494"/>
+          </a:xfrm>
+          <a:prstGeom prst="rect">
+            <a:avLst/>
+          </a:prstGeom>
+          <a:noFill/>
+          <a:ln>
+            <a:solidFill>
+              <a:srgbClr val="FF0000"/>
+            </a:solidFill>
+          </a:ln>
+        </p:spPr>
+        <p:style>
+          <a:lnRef idx="2">
+            <a:schemeClr val="accent1">
+              <a:shade val="50000"/>
+            </a:schemeClr>
+          </a:lnRef>
+          <a:fillRef idx="1">
+            <a:schemeClr val="accent1"/>
+          </a:fillRef>
+          <a:effectRef idx="0">
+            <a:schemeClr val="accent1"/>
+          </a:effectRef>
+          <a:fontRef idx="minor">
+            <a:schemeClr val="lt1"/>
+          </a:fontRef>
+        </p:style>
+        <p:txBody>
+          <a:bodyPr rtlCol="0" anchor="ctr"/>
+          <a:lstStyle/>
+          <a:p>
+            <a:pPr algn="ctr"/>
+            <a:endParaRPr lang="zh-TW" altLang="en-US"/>
+          </a:p>
+        </p:txBody>
+      </p:sp>
+      <p:sp>
+        <p:nvSpPr>
+          <p:cNvPr id="34" name="矩形 33"/>
+          <p:cNvSpPr/>
+          <p:nvPr/>
+        </p:nvSpPr>
+        <p:spPr>
+          <a:xfrm>
+            <a:off x="7526738" y="2571163"/>
+            <a:ext cx="309957" cy="140494"/>
+          </a:xfrm>
+          <a:prstGeom prst="rect">
+            <a:avLst/>
+          </a:prstGeom>
+          <a:noFill/>
+          <a:ln>
+            <a:solidFill>
+              <a:srgbClr val="FF0000"/>
+            </a:solidFill>
+          </a:ln>
+        </p:spPr>
+        <p:style>
+          <a:lnRef idx="2">
+            <a:schemeClr val="accent1">
+              <a:shade val="50000"/>
+            </a:schemeClr>
+          </a:lnRef>
+          <a:fillRef idx="1">
+            <a:schemeClr val="accent1"/>
+          </a:fillRef>
+          <a:effectRef idx="0">
+            <a:schemeClr val="accent1"/>
+          </a:effectRef>
+          <a:fontRef idx="minor">
+            <a:schemeClr val="lt1"/>
+          </a:fontRef>
+        </p:style>
+        <p:txBody>
+          <a:bodyPr rtlCol="0" anchor="ctr"/>
+          <a:lstStyle/>
+          <a:p>
+            <a:pPr algn="ctr"/>
+            <a:endParaRPr lang="zh-TW" altLang="en-US"/>
+          </a:p>
+        </p:txBody>
+      </p:sp>
+      <p:sp>
+        <p:nvSpPr>
+          <p:cNvPr id="36" name="矩形 35"/>
+          <p:cNvSpPr/>
+          <p:nvPr/>
+        </p:nvSpPr>
+        <p:spPr>
+          <a:xfrm>
+            <a:off x="7991081" y="2571163"/>
+            <a:ext cx="309957" cy="140494"/>
+          </a:xfrm>
+          <a:prstGeom prst="rect">
+            <a:avLst/>
+          </a:prstGeom>
+          <a:noFill/>
+          <a:ln>
+            <a:solidFill>
+              <a:srgbClr val="FF0000"/>
+            </a:solidFill>
+          </a:ln>
+        </p:spPr>
+        <p:style>
+          <a:lnRef idx="2">
+            <a:schemeClr val="accent1">
+              <a:shade val="50000"/>
+            </a:schemeClr>
+          </a:lnRef>
+          <a:fillRef idx="1">
+            <a:schemeClr val="accent1"/>
+          </a:fillRef>
+          <a:effectRef idx="0">
+            <a:schemeClr val="accent1"/>
+          </a:effectRef>
+          <a:fontRef idx="minor">
+            <a:schemeClr val="lt1"/>
+          </a:fontRef>
+        </p:style>
+        <p:txBody>
+          <a:bodyPr rtlCol="0" anchor="ctr"/>
+          <a:lstStyle/>
+          <a:p>
+            <a:pPr algn="ctr"/>
+            <a:endParaRPr lang="zh-TW" altLang="en-US"/>
+          </a:p>
+        </p:txBody>
+      </p:sp>
+      <p:sp>
+        <p:nvSpPr>
+          <p:cNvPr id="37" name="矩形 36"/>
+          <p:cNvSpPr/>
+          <p:nvPr/>
+        </p:nvSpPr>
+        <p:spPr>
+          <a:xfrm>
+            <a:off x="8451031" y="2571163"/>
+            <a:ext cx="309957" cy="140494"/>
+          </a:xfrm>
+          <a:prstGeom prst="rect">
+            <a:avLst/>
+          </a:prstGeom>
+          <a:noFill/>
+          <a:ln>
+            <a:solidFill>
+              <a:srgbClr val="FF0000"/>
+            </a:solidFill>
+          </a:ln>
+        </p:spPr>
+        <p:style>
+          <a:lnRef idx="2">
+            <a:schemeClr val="accent1">
+              <a:shade val="50000"/>
+            </a:schemeClr>
+          </a:lnRef>
+          <a:fillRef idx="1">
+            <a:schemeClr val="accent1"/>
+          </a:fillRef>
+          <a:effectRef idx="0">
+            <a:schemeClr val="accent1"/>
+          </a:effectRef>
+          <a:fontRef idx="minor">
+            <a:schemeClr val="lt1"/>
+          </a:fontRef>
+        </p:style>
+        <p:txBody>
+          <a:bodyPr rtlCol="0" anchor="ctr"/>
+          <a:lstStyle/>
+          <a:p>
+            <a:pPr algn="ctr"/>
+            <a:endParaRPr lang="zh-TW" altLang="en-US"/>
+          </a:p>
+        </p:txBody>
+      </p:sp>
+      <p:sp>
+        <p:nvSpPr>
+          <p:cNvPr id="39" name="矩形 38"/>
+          <p:cNvSpPr/>
+          <p:nvPr/>
+        </p:nvSpPr>
+        <p:spPr>
+          <a:xfrm>
+            <a:off x="8910981" y="2571163"/>
+            <a:ext cx="373513" cy="140494"/>
+          </a:xfrm>
+          <a:prstGeom prst="rect">
+            <a:avLst/>
+          </a:prstGeom>
+          <a:noFill/>
+          <a:ln>
+            <a:solidFill>
+              <a:srgbClr val="FF0000"/>
+            </a:solidFill>
+          </a:ln>
+        </p:spPr>
+        <p:style>
+          <a:lnRef idx="2">
+            <a:schemeClr val="accent1">
+              <a:shade val="50000"/>
+            </a:schemeClr>
+          </a:lnRef>
+          <a:fillRef idx="1">
+            <a:schemeClr val="accent1"/>
+          </a:fillRef>
+          <a:effectRef idx="0">
+            <a:schemeClr val="accent1"/>
+          </a:effectRef>
+          <a:fontRef idx="minor">
+            <a:schemeClr val="lt1"/>
+          </a:fontRef>
+        </p:style>
+        <p:txBody>
+          <a:bodyPr rtlCol="0" anchor="ctr"/>
+          <a:lstStyle/>
+          <a:p>
+            <a:pPr algn="ctr"/>
+            <a:endParaRPr lang="zh-TW" altLang="en-US"/>
+          </a:p>
+        </p:txBody>
+      </p:sp>
+      <p:sp>
+        <p:nvSpPr>
+          <p:cNvPr id="40" name="矩形 39"/>
+          <p:cNvSpPr/>
+          <p:nvPr/>
+        </p:nvSpPr>
+        <p:spPr>
+          <a:xfrm>
+            <a:off x="9398794" y="2571163"/>
+            <a:ext cx="311319" cy="140494"/>
+          </a:xfrm>
+          <a:prstGeom prst="rect">
+            <a:avLst/>
+          </a:prstGeom>
+          <a:noFill/>
+          <a:ln>
+            <a:solidFill>
+              <a:srgbClr val="FF0000"/>
+            </a:solidFill>
+          </a:ln>
+        </p:spPr>
+        <p:style>
+          <a:lnRef idx="2">
+            <a:schemeClr val="accent1">
+              <a:shade val="50000"/>
+            </a:schemeClr>
+          </a:lnRef>
+          <a:fillRef idx="1">
+            <a:schemeClr val="accent1"/>
+          </a:fillRef>
+          <a:effectRef idx="0">
+            <a:schemeClr val="accent1"/>
+          </a:effectRef>
+          <a:fontRef idx="minor">
+            <a:schemeClr val="lt1"/>
+          </a:fontRef>
+        </p:style>
+        <p:txBody>
+          <a:bodyPr rtlCol="0" anchor="ctr"/>
+          <a:lstStyle/>
+          <a:p>
+            <a:pPr algn="ctr"/>
+            <a:endParaRPr lang="zh-TW" altLang="en-US"/>
+          </a:p>
+        </p:txBody>
+      </p:sp>
+      <p:sp>
+        <p:nvSpPr>
+          <p:cNvPr id="42" name="矩形 41"/>
+          <p:cNvSpPr/>
+          <p:nvPr/>
+        </p:nvSpPr>
+        <p:spPr>
+          <a:xfrm>
+            <a:off x="9820619" y="2571163"/>
+            <a:ext cx="442569" cy="140494"/>
+          </a:xfrm>
+          <a:prstGeom prst="rect">
+            <a:avLst/>
+          </a:prstGeom>
+          <a:noFill/>
+          <a:ln>
+            <a:solidFill>
+              <a:srgbClr val="FF0000"/>
+            </a:solidFill>
+          </a:ln>
+        </p:spPr>
+        <p:style>
+          <a:lnRef idx="2">
+            <a:schemeClr val="accent1">
+              <a:shade val="50000"/>
+            </a:schemeClr>
+          </a:lnRef>
+          <a:fillRef idx="1">
+            <a:schemeClr val="accent1"/>
+          </a:fillRef>
+          <a:effectRef idx="0">
+            <a:schemeClr val="accent1"/>
+          </a:effectRef>
+          <a:fontRef idx="minor">
+            <a:schemeClr val="lt1"/>
+          </a:fontRef>
+        </p:style>
+        <p:txBody>
+          <a:bodyPr rtlCol="0" anchor="ctr"/>
+          <a:lstStyle/>
+          <a:p>
+            <a:pPr algn="ctr"/>
+            <a:endParaRPr lang="zh-TW" altLang="en-US"/>
+          </a:p>
+        </p:txBody>
+      </p:sp>
+      <p:sp>
+        <p:nvSpPr>
+          <p:cNvPr id="47" name="矩形 46"/>
+          <p:cNvSpPr/>
+          <p:nvPr/>
+        </p:nvSpPr>
+        <p:spPr>
+          <a:xfrm>
+            <a:off x="10440762" y="2571163"/>
+            <a:ext cx="436788" cy="140494"/>
+          </a:xfrm>
+          <a:prstGeom prst="rect">
+            <a:avLst/>
+          </a:prstGeom>
+          <a:noFill/>
+          <a:ln>
+            <a:solidFill>
+              <a:srgbClr val="FF0000"/>
+            </a:solidFill>
+          </a:ln>
+        </p:spPr>
+        <p:style>
+          <a:lnRef idx="2">
+            <a:schemeClr val="accent1">
+              <a:shade val="50000"/>
+            </a:schemeClr>
+          </a:lnRef>
+          <a:fillRef idx="1">
+            <a:schemeClr val="accent1"/>
+          </a:fillRef>
+          <a:effectRef idx="0">
+            <a:schemeClr val="accent1"/>
+          </a:effectRef>
+          <a:fontRef idx="minor">
+            <a:schemeClr val="lt1"/>
+          </a:fontRef>
+        </p:style>
+        <p:txBody>
+          <a:bodyPr rtlCol="0" anchor="ctr"/>
+          <a:lstStyle/>
+          <a:p>
+            <a:pPr algn="ctr"/>
+            <a:endParaRPr lang="zh-TW" altLang="en-US"/>
+          </a:p>
+        </p:txBody>
+      </p:sp>
+      <p:sp>
+        <p:nvSpPr>
+          <p:cNvPr id="48" name="矩形 47"/>
+          <p:cNvSpPr/>
+          <p:nvPr/>
+        </p:nvSpPr>
+        <p:spPr>
+          <a:xfrm>
+            <a:off x="11031707" y="2571163"/>
+            <a:ext cx="460206" cy="140494"/>
+          </a:xfrm>
+          <a:prstGeom prst="rect">
+            <a:avLst/>
+          </a:prstGeom>
+          <a:noFill/>
+          <a:ln>
+            <a:solidFill>
+              <a:srgbClr val="FF0000"/>
+            </a:solidFill>
+          </a:ln>
+        </p:spPr>
+        <p:style>
+          <a:lnRef idx="2">
+            <a:schemeClr val="accent1">
+              <a:shade val="50000"/>
+            </a:schemeClr>
+          </a:lnRef>
+          <a:fillRef idx="1">
+            <a:schemeClr val="accent1"/>
+          </a:fillRef>
+          <a:effectRef idx="0">
+            <a:schemeClr val="accent1"/>
+          </a:effectRef>
+          <a:fontRef idx="minor">
+            <a:schemeClr val="lt1"/>
+          </a:fontRef>
+        </p:style>
+        <p:txBody>
+          <a:bodyPr rtlCol="0" anchor="ctr"/>
+          <a:lstStyle/>
+          <a:p>
+            <a:pPr algn="ctr"/>
+            <a:endParaRPr lang="zh-TW" altLang="en-US"/>
+          </a:p>
+        </p:txBody>
+      </p:sp>
+      <p:sp>
+        <p:nvSpPr>
+          <p:cNvPr id="49" name="矩形 48"/>
+          <p:cNvSpPr/>
+          <p:nvPr/>
+        </p:nvSpPr>
+        <p:spPr>
+          <a:xfrm>
+            <a:off x="11606213" y="2571163"/>
+            <a:ext cx="300038" cy="140494"/>
+          </a:xfrm>
+          <a:prstGeom prst="rect">
+            <a:avLst/>
+          </a:prstGeom>
+          <a:noFill/>
+          <a:ln>
+            <a:solidFill>
+              <a:srgbClr val="FF0000"/>
+            </a:solidFill>
+          </a:ln>
+        </p:spPr>
+        <p:style>
+          <a:lnRef idx="2">
+            <a:schemeClr val="accent1">
+              <a:shade val="50000"/>
+            </a:schemeClr>
+          </a:lnRef>
+          <a:fillRef idx="1">
+            <a:schemeClr val="accent1"/>
+          </a:fillRef>
+          <a:effectRef idx="0">
+            <a:schemeClr val="accent1"/>
+          </a:effectRef>
+          <a:fontRef idx="minor">
+            <a:schemeClr val="lt1"/>
+          </a:fontRef>
+        </p:style>
+        <p:txBody>
+          <a:bodyPr rtlCol="0" anchor="ctr"/>
+          <a:lstStyle/>
+          <a:p>
+            <a:pPr algn="ctr"/>
+            <a:endParaRPr lang="zh-TW" altLang="en-US"/>
+          </a:p>
+        </p:txBody>
+      </p:sp>
+      <p:sp>
+        <p:nvSpPr>
+          <p:cNvPr id="50" name="矩形 49"/>
+          <p:cNvSpPr/>
+          <p:nvPr/>
+        </p:nvSpPr>
+        <p:spPr>
+          <a:xfrm>
+            <a:off x="616826" y="1831181"/>
+            <a:ext cx="1128630" cy="128588"/>
+          </a:xfrm>
+          <a:prstGeom prst="rect">
+            <a:avLst/>
+          </a:prstGeom>
+          <a:noFill/>
+          <a:ln>
+            <a:solidFill>
+              <a:srgbClr val="FF0000"/>
+            </a:solidFill>
+          </a:ln>
+        </p:spPr>
+        <p:style>
+          <a:lnRef idx="2">
+            <a:schemeClr val="accent1">
+              <a:shade val="50000"/>
+            </a:schemeClr>
+          </a:lnRef>
+          <a:fillRef idx="1">
+            <a:schemeClr val="accent1"/>
+          </a:fillRef>
+          <a:effectRef idx="0">
+            <a:schemeClr val="accent1"/>
+          </a:effectRef>
+          <a:fontRef idx="minor">
+            <a:schemeClr val="lt1"/>
+          </a:fontRef>
+        </p:style>
+        <p:txBody>
+          <a:bodyPr rtlCol="0" anchor="ctr"/>
+          <a:lstStyle/>
+          <a:p>
+            <a:pPr algn="ctr"/>
+            <a:endParaRPr lang="zh-TW" altLang="en-US"/>
+          </a:p>
+        </p:txBody>
+      </p:sp>
+      <p:cxnSp>
+        <p:nvCxnSpPr>
+          <p:cNvPr id="51" name="肘形接點 50"/>
+          <p:cNvCxnSpPr>
+            <a:stCxn id="50" idx="3"/>
+            <a:endCxn id="32" idx="0"/>
+          </p:cNvCxnSpPr>
+          <p:nvPr/>
+        </p:nvCxnSpPr>
+        <p:spPr>
+          <a:xfrm>
+            <a:off x="1745456" y="1895475"/>
+            <a:ext cx="5114729" cy="675688"/>
+          </a:xfrm>
+          <a:prstGeom prst="bentConnector2">
+            <a:avLst/>
+          </a:prstGeom>
+          <a:ln w="12700">
+            <a:solidFill>
+              <a:srgbClr val="FF0000"/>
+            </a:solidFill>
+            <a:tailEnd type="stealth" w="lg" len="med"/>
+          </a:ln>
+        </p:spPr>
+        <p:style>
+          <a:lnRef idx="1">
+            <a:schemeClr val="accent1"/>
+          </a:lnRef>
+          <a:fillRef idx="0">
+            <a:schemeClr val="accent1"/>
+          </a:fillRef>
+          <a:effectRef idx="0">
+            <a:schemeClr val="accent1"/>
+          </a:effectRef>
+          <a:fontRef idx="minor">
+            <a:schemeClr val="tx1"/>
+          </a:fontRef>
+        </p:style>
+      </p:cxnSp>
+      <p:sp>
+        <p:nvSpPr>
+          <p:cNvPr id="52" name="矩形 51"/>
+          <p:cNvSpPr/>
+          <p:nvPr/>
+        </p:nvSpPr>
+        <p:spPr>
+          <a:xfrm>
+            <a:off x="616826" y="2619375"/>
+            <a:ext cx="1463434" cy="123825"/>
+          </a:xfrm>
+          <a:prstGeom prst="rect">
+            <a:avLst/>
+          </a:prstGeom>
+          <a:noFill/>
+          <a:ln>
+            <a:solidFill>
+              <a:srgbClr val="FF0000"/>
+            </a:solidFill>
+          </a:ln>
+        </p:spPr>
+        <p:style>
+          <a:lnRef idx="2">
+            <a:schemeClr val="accent1">
+              <a:shade val="50000"/>
+            </a:schemeClr>
+          </a:lnRef>
+          <a:fillRef idx="1">
+            <a:schemeClr val="accent1"/>
+          </a:fillRef>
+          <a:effectRef idx="0">
+            <a:schemeClr val="accent1"/>
+          </a:effectRef>
+          <a:fontRef idx="minor">
+            <a:schemeClr val="lt1"/>
+          </a:fontRef>
+        </p:style>
+        <p:txBody>
+          <a:bodyPr rtlCol="0" anchor="ctr"/>
+          <a:lstStyle/>
+          <a:p>
+            <a:pPr algn="ctr"/>
+            <a:endParaRPr lang="zh-TW" altLang="en-US"/>
+          </a:p>
+        </p:txBody>
+      </p:sp>
+      <p:cxnSp>
+        <p:nvCxnSpPr>
+          <p:cNvPr id="53" name="肘形接點 52"/>
+          <p:cNvCxnSpPr>
+            <a:stCxn id="52" idx="3"/>
+            <a:endCxn id="33" idx="0"/>
+          </p:cNvCxnSpPr>
+          <p:nvPr/>
+        </p:nvCxnSpPr>
+        <p:spPr>
+          <a:xfrm flipV="1">
+            <a:off x="2080260" y="2571163"/>
+            <a:ext cx="5204352" cy="110125"/>
+          </a:xfrm>
+          <a:prstGeom prst="bentConnector4">
+            <a:avLst>
+              <a:gd name="adj1" fmla="val 63610"/>
+              <a:gd name="adj2" fmla="val 584359"/>
+            </a:avLst>
+          </a:prstGeom>
+          <a:ln w="12700">
+            <a:solidFill>
+              <a:srgbClr val="FF0000"/>
+            </a:solidFill>
+            <a:tailEnd type="stealth" w="lg" len="med"/>
+          </a:ln>
+        </p:spPr>
+        <p:style>
+          <a:lnRef idx="1">
+            <a:schemeClr val="accent1"/>
+          </a:lnRef>
+          <a:fillRef idx="0">
+            <a:schemeClr val="accent1"/>
+          </a:fillRef>
+          <a:effectRef idx="0">
+            <a:schemeClr val="accent1"/>
+          </a:effectRef>
+          <a:fontRef idx="minor">
+            <a:schemeClr val="tx1"/>
+          </a:fontRef>
+        </p:style>
+      </p:cxnSp>
+      <p:sp>
+        <p:nvSpPr>
+          <p:cNvPr id="54" name="矩形 53"/>
+          <p:cNvSpPr/>
+          <p:nvPr/>
+        </p:nvSpPr>
+        <p:spPr>
+          <a:xfrm>
+            <a:off x="616826" y="3002756"/>
+            <a:ext cx="1309605" cy="121444"/>
+          </a:xfrm>
+          <a:prstGeom prst="rect">
+            <a:avLst/>
+          </a:prstGeom>
+          <a:noFill/>
+          <a:ln>
+            <a:solidFill>
+              <a:srgbClr val="FF0000"/>
+            </a:solidFill>
+          </a:ln>
+        </p:spPr>
+        <p:style>
+          <a:lnRef idx="2">
+            <a:schemeClr val="accent1">
+              <a:shade val="50000"/>
+            </a:schemeClr>
+          </a:lnRef>
+          <a:fillRef idx="1">
+            <a:schemeClr val="accent1"/>
+          </a:fillRef>
+          <a:effectRef idx="0">
+            <a:schemeClr val="accent1"/>
+          </a:effectRef>
+          <a:fontRef idx="minor">
+            <a:schemeClr val="lt1"/>
+          </a:fontRef>
+        </p:style>
+        <p:txBody>
+          <a:bodyPr rtlCol="0" anchor="ctr"/>
+          <a:lstStyle/>
+          <a:p>
+            <a:pPr algn="ctr"/>
+            <a:endParaRPr lang="zh-TW" altLang="en-US"/>
+          </a:p>
+        </p:txBody>
+      </p:sp>
+      <p:cxnSp>
+        <p:nvCxnSpPr>
+          <p:cNvPr id="55" name="肘形接點 54"/>
+          <p:cNvCxnSpPr>
+            <a:stCxn id="54" idx="3"/>
+            <a:endCxn id="34" idx="0"/>
+          </p:cNvCxnSpPr>
+          <p:nvPr/>
+        </p:nvCxnSpPr>
+        <p:spPr>
+          <a:xfrm flipV="1">
+            <a:off x="1926431" y="2571163"/>
+            <a:ext cx="5755286" cy="492315"/>
+          </a:xfrm>
+          <a:prstGeom prst="bentConnector4">
+            <a:avLst>
+              <a:gd name="adj1" fmla="val 48654"/>
+              <a:gd name="adj2" fmla="val 221889"/>
+            </a:avLst>
+          </a:prstGeom>
+          <a:ln w="12700">
+            <a:solidFill>
+              <a:srgbClr val="FF0000"/>
+            </a:solidFill>
+            <a:tailEnd type="stealth" w="lg" len="med"/>
+          </a:ln>
+        </p:spPr>
+        <p:style>
+          <a:lnRef idx="1">
+            <a:schemeClr val="accent1"/>
+          </a:lnRef>
+          <a:fillRef idx="0">
+            <a:schemeClr val="accent1"/>
+          </a:fillRef>
+          <a:effectRef idx="0">
+            <a:schemeClr val="accent1"/>
+          </a:effectRef>
+          <a:fontRef idx="minor">
+            <a:schemeClr val="tx1"/>
+          </a:fontRef>
+        </p:style>
+      </p:cxnSp>
+      <p:sp>
+        <p:nvSpPr>
+          <p:cNvPr id="63" name="矩形 62"/>
+          <p:cNvSpPr/>
+          <p:nvPr/>
+        </p:nvSpPr>
+        <p:spPr>
+          <a:xfrm>
+            <a:off x="616826" y="3262312"/>
+            <a:ext cx="1309605" cy="121444"/>
+          </a:xfrm>
+          <a:prstGeom prst="rect">
+            <a:avLst/>
+          </a:prstGeom>
+          <a:noFill/>
+          <a:ln>
+            <a:solidFill>
+              <a:srgbClr val="FF0000"/>
+            </a:solidFill>
+          </a:ln>
+        </p:spPr>
+        <p:style>
+          <a:lnRef idx="2">
+            <a:schemeClr val="accent1">
+              <a:shade val="50000"/>
+            </a:schemeClr>
+          </a:lnRef>
+          <a:fillRef idx="1">
+            <a:schemeClr val="accent1"/>
+          </a:fillRef>
+          <a:effectRef idx="0">
+            <a:schemeClr val="accent1"/>
+          </a:effectRef>
+          <a:fontRef idx="minor">
+            <a:schemeClr val="lt1"/>
+          </a:fontRef>
+        </p:style>
+        <p:txBody>
+          <a:bodyPr rtlCol="0" anchor="ctr"/>
+          <a:lstStyle/>
+          <a:p>
+            <a:pPr algn="ctr"/>
+            <a:endParaRPr lang="zh-TW" altLang="en-US"/>
+          </a:p>
+        </p:txBody>
+      </p:sp>
+      <p:cxnSp>
+        <p:nvCxnSpPr>
+          <p:cNvPr id="64" name="肘形接點 63"/>
+          <p:cNvCxnSpPr>
+            <a:stCxn id="63" idx="3"/>
+            <a:endCxn id="36" idx="0"/>
+          </p:cNvCxnSpPr>
+          <p:nvPr/>
+        </p:nvCxnSpPr>
+        <p:spPr>
+          <a:xfrm flipV="1">
+            <a:off x="1926431" y="2571163"/>
+            <a:ext cx="6219629" cy="751871"/>
+          </a:xfrm>
+          <a:prstGeom prst="bentConnector4">
+            <a:avLst>
+              <a:gd name="adj1" fmla="val 48754"/>
+              <a:gd name="adj2" fmla="val 157641"/>
+            </a:avLst>
+          </a:prstGeom>
+          <a:ln w="12700">
+            <a:solidFill>
+              <a:srgbClr val="FF0000"/>
+            </a:solidFill>
+            <a:tailEnd type="stealth" w="lg" len="med"/>
+          </a:ln>
+        </p:spPr>
+        <p:style>
+          <a:lnRef idx="1">
+            <a:schemeClr val="accent1"/>
+          </a:lnRef>
+          <a:fillRef idx="0">
+            <a:schemeClr val="accent1"/>
+          </a:fillRef>
+          <a:effectRef idx="0">
+            <a:schemeClr val="accent1"/>
+          </a:effectRef>
+          <a:fontRef idx="minor">
+            <a:schemeClr val="tx1"/>
+          </a:fontRef>
+        </p:style>
+      </p:cxnSp>
+      <p:sp>
+        <p:nvSpPr>
+          <p:cNvPr id="68" name="矩形 67"/>
+          <p:cNvSpPr/>
+          <p:nvPr/>
+        </p:nvSpPr>
+        <p:spPr>
+          <a:xfrm>
+            <a:off x="616825" y="3776662"/>
+            <a:ext cx="1309605" cy="123825"/>
+          </a:xfrm>
+          <a:prstGeom prst="rect">
+            <a:avLst/>
+          </a:prstGeom>
+          <a:noFill/>
+          <a:ln>
+            <a:solidFill>
+              <a:srgbClr val="FF0000"/>
+            </a:solidFill>
+          </a:ln>
+        </p:spPr>
+        <p:style>
+          <a:lnRef idx="2">
+            <a:schemeClr val="accent1">
+              <a:shade val="50000"/>
+            </a:schemeClr>
+          </a:lnRef>
+          <a:fillRef idx="1">
+            <a:schemeClr val="accent1"/>
+          </a:fillRef>
+          <a:effectRef idx="0">
+            <a:schemeClr val="accent1"/>
+          </a:effectRef>
+          <a:fontRef idx="minor">
+            <a:schemeClr val="lt1"/>
+          </a:fontRef>
+        </p:style>
+        <p:txBody>
+          <a:bodyPr rtlCol="0" anchor="ctr"/>
+          <a:lstStyle/>
+          <a:p>
+            <a:pPr algn="ctr"/>
+            <a:endParaRPr lang="zh-TW" altLang="en-US"/>
+          </a:p>
+        </p:txBody>
+      </p:sp>
+      <p:cxnSp>
+        <p:nvCxnSpPr>
+          <p:cNvPr id="69" name="肘形接點 68"/>
+          <p:cNvCxnSpPr>
+            <a:stCxn id="68" idx="3"/>
+            <a:endCxn id="37" idx="0"/>
+          </p:cNvCxnSpPr>
+          <p:nvPr/>
+        </p:nvCxnSpPr>
+        <p:spPr>
+          <a:xfrm flipV="1">
+            <a:off x="1926430" y="2571163"/>
+            <a:ext cx="6679580" cy="1267412"/>
+          </a:xfrm>
+          <a:prstGeom prst="bentConnector4">
+            <a:avLst>
+              <a:gd name="adj1" fmla="val 48840"/>
+              <a:gd name="adj2" fmla="val 127055"/>
+            </a:avLst>
+          </a:prstGeom>
+          <a:ln w="12700">
+            <a:solidFill>
+              <a:srgbClr val="FF0000"/>
+            </a:solidFill>
+            <a:tailEnd type="stealth" w="lg" len="med"/>
+          </a:ln>
+        </p:spPr>
+        <p:style>
+          <a:lnRef idx="1">
+            <a:schemeClr val="accent1"/>
+          </a:lnRef>
+          <a:fillRef idx="0">
+            <a:schemeClr val="accent1"/>
+          </a:fillRef>
+          <a:effectRef idx="0">
+            <a:schemeClr val="accent1"/>
+          </a:effectRef>
+          <a:fontRef idx="minor">
+            <a:schemeClr val="tx1"/>
+          </a:fontRef>
+        </p:style>
+      </p:cxnSp>
+      <p:sp>
+        <p:nvSpPr>
+          <p:cNvPr id="74" name="矩形 73"/>
+          <p:cNvSpPr/>
+          <p:nvPr/>
+        </p:nvSpPr>
+        <p:spPr>
+          <a:xfrm>
+            <a:off x="616824" y="1582738"/>
+            <a:ext cx="1795381" cy="110331"/>
+          </a:xfrm>
+          <a:prstGeom prst="rect">
+            <a:avLst/>
+          </a:prstGeom>
+          <a:noFill/>
+          <a:ln>
+            <a:solidFill>
+              <a:srgbClr val="FF0000"/>
+            </a:solidFill>
+          </a:ln>
+        </p:spPr>
+        <p:style>
+          <a:lnRef idx="2">
+            <a:schemeClr val="accent1">
+              <a:shade val="50000"/>
+            </a:schemeClr>
+          </a:lnRef>
+          <a:fillRef idx="1">
+            <a:schemeClr val="accent1"/>
+          </a:fillRef>
+          <a:effectRef idx="0">
+            <a:schemeClr val="accent1"/>
+          </a:effectRef>
+          <a:fontRef idx="minor">
+            <a:schemeClr val="lt1"/>
+          </a:fontRef>
+        </p:style>
+        <p:txBody>
+          <a:bodyPr rtlCol="0" anchor="ctr"/>
+          <a:lstStyle/>
+          <a:p>
+            <a:pPr algn="ctr"/>
+            <a:endParaRPr lang="zh-TW" altLang="en-US"/>
+          </a:p>
+        </p:txBody>
+      </p:sp>
+      <p:cxnSp>
+        <p:nvCxnSpPr>
+          <p:cNvPr id="75" name="肘形接點 74"/>
+          <p:cNvCxnSpPr>
+            <a:stCxn id="74" idx="3"/>
+            <a:endCxn id="39" idx="0"/>
+          </p:cNvCxnSpPr>
+          <p:nvPr/>
+        </p:nvCxnSpPr>
+        <p:spPr>
+          <a:xfrm>
+            <a:off x="2412205" y="1637904"/>
+            <a:ext cx="6685533" cy="933259"/>
+          </a:xfrm>
+          <a:prstGeom prst="bentConnector2">
+            <a:avLst/>
+          </a:prstGeom>
+          <a:ln w="12700">
+            <a:solidFill>
+              <a:srgbClr val="FF0000"/>
+            </a:solidFill>
+            <a:tailEnd type="stealth" w="lg" len="med"/>
+          </a:ln>
+        </p:spPr>
+        <p:style>
+          <a:lnRef idx="1">
+            <a:schemeClr val="accent1"/>
+          </a:lnRef>
+          <a:fillRef idx="0">
+            <a:schemeClr val="accent1"/>
+          </a:fillRef>
+          <a:effectRef idx="0">
+            <a:schemeClr val="accent1"/>
+          </a:effectRef>
+          <a:fontRef idx="minor">
+            <a:schemeClr val="tx1"/>
+          </a:fontRef>
+        </p:style>
+      </p:cxnSp>
+      <p:sp>
+        <p:nvSpPr>
+          <p:cNvPr id="78" name="矩形 77"/>
+          <p:cNvSpPr/>
+          <p:nvPr/>
+        </p:nvSpPr>
+        <p:spPr>
+          <a:xfrm>
+            <a:off x="616824" y="3654028"/>
+            <a:ext cx="1309605" cy="121444"/>
+          </a:xfrm>
+          <a:prstGeom prst="rect">
+            <a:avLst/>
+          </a:prstGeom>
+          <a:noFill/>
+          <a:ln>
+            <a:solidFill>
+              <a:srgbClr val="FF0000"/>
+            </a:solidFill>
+          </a:ln>
+        </p:spPr>
+        <p:style>
+          <a:lnRef idx="2">
+            <a:schemeClr val="accent1">
+              <a:shade val="50000"/>
+            </a:schemeClr>
+          </a:lnRef>
+          <a:fillRef idx="1">
+            <a:schemeClr val="accent1"/>
+          </a:fillRef>
+          <a:effectRef idx="0">
+            <a:schemeClr val="accent1"/>
+          </a:effectRef>
+          <a:fontRef idx="minor">
+            <a:schemeClr val="lt1"/>
+          </a:fontRef>
+        </p:style>
+        <p:txBody>
+          <a:bodyPr rtlCol="0" anchor="ctr"/>
+          <a:lstStyle/>
+          <a:p>
+            <a:pPr algn="ctr"/>
+            <a:endParaRPr lang="zh-TW" altLang="en-US"/>
+          </a:p>
+        </p:txBody>
+      </p:sp>
+      <p:cxnSp>
+        <p:nvCxnSpPr>
+          <p:cNvPr id="79" name="肘形接點 78"/>
+          <p:cNvCxnSpPr>
+            <a:stCxn id="78" idx="3"/>
+            <a:endCxn id="40" idx="0"/>
+          </p:cNvCxnSpPr>
+          <p:nvPr/>
+        </p:nvCxnSpPr>
+        <p:spPr>
+          <a:xfrm flipV="1">
+            <a:off x="1926429" y="2571163"/>
+            <a:ext cx="7628025" cy="1143587"/>
+          </a:xfrm>
+          <a:prstGeom prst="bentConnector4">
+            <a:avLst>
+              <a:gd name="adj1" fmla="val 48980"/>
+              <a:gd name="adj2" fmla="val 123322"/>
+            </a:avLst>
+          </a:prstGeom>
+          <a:ln w="12700">
+            <a:solidFill>
+              <a:srgbClr val="FF0000"/>
+            </a:solidFill>
+            <a:tailEnd type="stealth" w="lg" len="med"/>
+          </a:ln>
+        </p:spPr>
+        <p:style>
+          <a:lnRef idx="1">
+            <a:schemeClr val="accent1"/>
+          </a:lnRef>
+          <a:fillRef idx="0">
+            <a:schemeClr val="accent1"/>
+          </a:fillRef>
+          <a:effectRef idx="0">
+            <a:schemeClr val="accent1"/>
+          </a:effectRef>
+          <a:fontRef idx="minor">
+            <a:schemeClr val="tx1"/>
+          </a:fontRef>
+        </p:style>
+      </p:cxnSp>
+      <p:sp>
+        <p:nvSpPr>
+          <p:cNvPr id="83" name="矩形 82"/>
+          <p:cNvSpPr/>
+          <p:nvPr/>
+        </p:nvSpPr>
+        <p:spPr>
+          <a:xfrm>
+            <a:off x="616823" y="1693069"/>
+            <a:ext cx="1171495" cy="136922"/>
+          </a:xfrm>
+          <a:prstGeom prst="rect">
+            <a:avLst/>
+          </a:prstGeom>
+          <a:noFill/>
+          <a:ln>
+            <a:solidFill>
+              <a:srgbClr val="FF0000"/>
+            </a:solidFill>
+          </a:ln>
+        </p:spPr>
+        <p:style>
+          <a:lnRef idx="2">
+            <a:schemeClr val="accent1">
+              <a:shade val="50000"/>
+            </a:schemeClr>
+          </a:lnRef>
+          <a:fillRef idx="1">
+            <a:schemeClr val="accent1"/>
+          </a:fillRef>
+          <a:effectRef idx="0">
+            <a:schemeClr val="accent1"/>
+          </a:effectRef>
+          <a:fontRef idx="minor">
+            <a:schemeClr val="lt1"/>
+          </a:fontRef>
+        </p:style>
+        <p:txBody>
+          <a:bodyPr rtlCol="0" anchor="ctr"/>
+          <a:lstStyle/>
+          <a:p>
+            <a:pPr algn="ctr"/>
+            <a:endParaRPr lang="zh-TW" altLang="en-US"/>
+          </a:p>
+        </p:txBody>
+      </p:sp>
+      <p:cxnSp>
+        <p:nvCxnSpPr>
+          <p:cNvPr id="84" name="肘形接點 83"/>
+          <p:cNvCxnSpPr>
+            <a:stCxn id="83" idx="3"/>
+            <a:endCxn id="47" idx="0"/>
+          </p:cNvCxnSpPr>
+          <p:nvPr/>
+        </p:nvCxnSpPr>
+        <p:spPr>
+          <a:xfrm>
+            <a:off x="1788318" y="1761530"/>
+            <a:ext cx="8870838" cy="809633"/>
+          </a:xfrm>
+          <a:prstGeom prst="bentConnector2">
+            <a:avLst/>
+          </a:prstGeom>
+          <a:ln w="12700">
+            <a:solidFill>
+              <a:srgbClr val="FF0000"/>
+            </a:solidFill>
+            <a:tailEnd type="stealth" w="lg" len="med"/>
+          </a:ln>
+        </p:spPr>
+        <p:style>
+          <a:lnRef idx="1">
+            <a:schemeClr val="accent1"/>
+          </a:lnRef>
+          <a:fillRef idx="0">
+            <a:schemeClr val="accent1"/>
+          </a:fillRef>
+          <a:effectRef idx="0">
+            <a:schemeClr val="accent1"/>
+          </a:effectRef>
+          <a:fontRef idx="minor">
+            <a:schemeClr val="tx1"/>
+          </a:fontRef>
+        </p:style>
+      </p:cxnSp>
+      <p:sp>
+        <p:nvSpPr>
+          <p:cNvPr id="87" name="矩形 86"/>
+          <p:cNvSpPr/>
+          <p:nvPr/>
+        </p:nvSpPr>
+        <p:spPr>
+          <a:xfrm>
+            <a:off x="616823" y="1445817"/>
+            <a:ext cx="1340565" cy="136508"/>
+          </a:xfrm>
+          <a:prstGeom prst="rect">
+            <a:avLst/>
+          </a:prstGeom>
+          <a:noFill/>
+          <a:ln>
+            <a:solidFill>
+              <a:srgbClr val="FF0000"/>
+            </a:solidFill>
+          </a:ln>
+        </p:spPr>
+        <p:style>
+          <a:lnRef idx="2">
+            <a:schemeClr val="accent1">
+              <a:shade val="50000"/>
+            </a:schemeClr>
+          </a:lnRef>
+          <a:fillRef idx="1">
+            <a:schemeClr val="accent1"/>
+          </a:fillRef>
+          <a:effectRef idx="0">
+            <a:schemeClr val="accent1"/>
+          </a:effectRef>
+          <a:fontRef idx="minor">
+            <a:schemeClr val="lt1"/>
+          </a:fontRef>
+        </p:style>
+        <p:txBody>
+          <a:bodyPr rtlCol="0" anchor="ctr"/>
+          <a:lstStyle/>
+          <a:p>
+            <a:pPr algn="ctr"/>
+            <a:endParaRPr lang="zh-TW" altLang="en-US"/>
+          </a:p>
+        </p:txBody>
+      </p:sp>
+      <p:cxnSp>
+        <p:nvCxnSpPr>
+          <p:cNvPr id="88" name="肘形接點 87"/>
+          <p:cNvCxnSpPr>
+            <a:stCxn id="87" idx="3"/>
+            <a:endCxn id="48" idx="0"/>
+          </p:cNvCxnSpPr>
+          <p:nvPr/>
+        </p:nvCxnSpPr>
+        <p:spPr>
+          <a:xfrm>
+            <a:off x="1957388" y="1514071"/>
+            <a:ext cx="9304422" cy="1057092"/>
+          </a:xfrm>
+          <a:prstGeom prst="bentConnector2">
+            <a:avLst/>
+          </a:prstGeom>
+          <a:ln w="12700">
+            <a:solidFill>
+              <a:srgbClr val="FF0000"/>
+            </a:solidFill>
+            <a:tailEnd type="stealth" w="lg" len="med"/>
+          </a:ln>
+        </p:spPr>
+        <p:style>
+          <a:lnRef idx="1">
+            <a:schemeClr val="accent1"/>
+          </a:lnRef>
+          <a:fillRef idx="0">
+            <a:schemeClr val="accent1"/>
+          </a:fillRef>
+          <a:effectRef idx="0">
+            <a:schemeClr val="accent1"/>
+          </a:effectRef>
+          <a:fontRef idx="minor">
+            <a:schemeClr val="tx1"/>
+          </a:fontRef>
+        </p:style>
+      </p:cxnSp>
+      <p:sp>
+        <p:nvSpPr>
+          <p:cNvPr id="92" name="矩形 91"/>
+          <p:cNvSpPr/>
+          <p:nvPr/>
+        </p:nvSpPr>
+        <p:spPr>
+          <a:xfrm>
+            <a:off x="6643095" y="3165681"/>
+            <a:ext cx="309957" cy="140494"/>
+          </a:xfrm>
+          <a:prstGeom prst="rect">
+            <a:avLst/>
+          </a:prstGeom>
+          <a:noFill/>
+          <a:ln>
+            <a:solidFill>
+              <a:srgbClr val="FF0000"/>
+            </a:solidFill>
+          </a:ln>
+        </p:spPr>
+        <p:style>
+          <a:lnRef idx="2">
+            <a:schemeClr val="accent1">
+              <a:shade val="50000"/>
+            </a:schemeClr>
+          </a:lnRef>
+          <a:fillRef idx="1">
+            <a:schemeClr val="accent1"/>
+          </a:fillRef>
+          <a:effectRef idx="0">
+            <a:schemeClr val="accent1"/>
+          </a:effectRef>
+          <a:fontRef idx="minor">
+            <a:schemeClr val="lt1"/>
+          </a:fontRef>
+        </p:style>
+        <p:txBody>
+          <a:bodyPr rtlCol="0" anchor="ctr"/>
+          <a:lstStyle/>
+          <a:p>
+            <a:pPr algn="ctr"/>
+            <a:endParaRPr lang="zh-TW" altLang="en-US"/>
+          </a:p>
+        </p:txBody>
+      </p:sp>
+      <p:sp>
+        <p:nvSpPr>
+          <p:cNvPr id="93" name="矩形 92"/>
+          <p:cNvSpPr/>
+          <p:nvPr/>
+        </p:nvSpPr>
+        <p:spPr>
+          <a:xfrm>
+            <a:off x="10565255" y="3182540"/>
+            <a:ext cx="417070" cy="140494"/>
+          </a:xfrm>
+          <a:prstGeom prst="rect">
+            <a:avLst/>
+          </a:prstGeom>
+          <a:noFill/>
+          <a:ln>
+            <a:solidFill>
+              <a:srgbClr val="FF0000"/>
+            </a:solidFill>
+          </a:ln>
+        </p:spPr>
+        <p:style>
+          <a:lnRef idx="2">
+            <a:schemeClr val="accent1">
+              <a:shade val="50000"/>
+            </a:schemeClr>
+          </a:lnRef>
+          <a:fillRef idx="1">
+            <a:schemeClr val="accent1"/>
+          </a:fillRef>
+          <a:effectRef idx="0">
+            <a:schemeClr val="accent1"/>
+          </a:effectRef>
+          <a:fontRef idx="minor">
+            <a:schemeClr val="lt1"/>
+          </a:fontRef>
+        </p:style>
+        <p:txBody>
+          <a:bodyPr rtlCol="0" anchor="ctr"/>
+          <a:lstStyle/>
+          <a:p>
+            <a:pPr algn="ctr"/>
+            <a:endParaRPr lang="zh-TW" altLang="en-US"/>
+          </a:p>
+        </p:txBody>
+      </p:sp>
+      <p:sp>
+        <p:nvSpPr>
+          <p:cNvPr id="94" name="矩形 93"/>
+          <p:cNvSpPr/>
+          <p:nvPr/>
+        </p:nvSpPr>
+        <p:spPr>
+          <a:xfrm>
+            <a:off x="7439590" y="3175206"/>
+            <a:ext cx="309957" cy="140494"/>
+          </a:xfrm>
+          <a:prstGeom prst="rect">
+            <a:avLst/>
+          </a:prstGeom>
+          <a:noFill/>
+          <a:ln>
+            <a:solidFill>
+              <a:srgbClr val="FF0000"/>
+            </a:solidFill>
+          </a:ln>
+        </p:spPr>
+        <p:style>
+          <a:lnRef idx="2">
+            <a:schemeClr val="accent1">
+              <a:shade val="50000"/>
+            </a:schemeClr>
+          </a:lnRef>
+          <a:fillRef idx="1">
+            <a:schemeClr val="accent1"/>
+          </a:fillRef>
+          <a:effectRef idx="0">
+            <a:schemeClr val="accent1"/>
+          </a:effectRef>
+          <a:fontRef idx="minor">
+            <a:schemeClr val="lt1"/>
+          </a:fontRef>
+        </p:style>
+        <p:txBody>
+          <a:bodyPr rtlCol="0" anchor="ctr"/>
+          <a:lstStyle/>
+          <a:p>
+            <a:pPr algn="ctr"/>
+            <a:endParaRPr lang="zh-TW" altLang="en-US"/>
+          </a:p>
+        </p:txBody>
+      </p:sp>
+      <p:sp>
+        <p:nvSpPr>
+          <p:cNvPr id="95" name="矩形 94"/>
+          <p:cNvSpPr/>
+          <p:nvPr/>
+        </p:nvSpPr>
+        <p:spPr>
+          <a:xfrm>
+            <a:off x="9695351" y="3174206"/>
+            <a:ext cx="391624" cy="140494"/>
+          </a:xfrm>
+          <a:prstGeom prst="rect">
+            <a:avLst/>
+          </a:prstGeom>
+          <a:noFill/>
+          <a:ln>
+            <a:solidFill>
+              <a:srgbClr val="FF0000"/>
+            </a:solidFill>
+          </a:ln>
+        </p:spPr>
+        <p:style>
+          <a:lnRef idx="2">
+            <a:schemeClr val="accent1">
+              <a:shade val="50000"/>
+            </a:schemeClr>
+          </a:lnRef>
+          <a:fillRef idx="1">
+            <a:schemeClr val="accent1"/>
+          </a:fillRef>
+          <a:effectRef idx="0">
+            <a:schemeClr val="accent1"/>
+          </a:effectRef>
+          <a:fontRef idx="minor">
+            <a:schemeClr val="lt1"/>
+          </a:fontRef>
+        </p:style>
+        <p:txBody>
+          <a:bodyPr rtlCol="0" anchor="ctr"/>
+          <a:lstStyle/>
+          <a:p>
+            <a:pPr algn="ctr"/>
+            <a:endParaRPr lang="zh-TW" altLang="en-US"/>
+          </a:p>
+        </p:txBody>
+      </p:sp>
+      <p:sp>
+        <p:nvSpPr>
+          <p:cNvPr id="96" name="矩形 95"/>
+          <p:cNvSpPr/>
+          <p:nvPr/>
+        </p:nvSpPr>
+        <p:spPr>
+          <a:xfrm>
+            <a:off x="8112175" y="3174206"/>
+            <a:ext cx="309957" cy="140494"/>
+          </a:xfrm>
+          <a:prstGeom prst="rect">
+            <a:avLst/>
+          </a:prstGeom>
+          <a:noFill/>
+          <a:ln>
+            <a:solidFill>
+              <a:srgbClr val="FF0000"/>
+            </a:solidFill>
+          </a:ln>
+        </p:spPr>
+        <p:style>
+          <a:lnRef idx="2">
+            <a:schemeClr val="accent1">
+              <a:shade val="50000"/>
+            </a:schemeClr>
+          </a:lnRef>
+          <a:fillRef idx="1">
+            <a:schemeClr val="accent1"/>
+          </a:fillRef>
+          <a:effectRef idx="0">
+            <a:schemeClr val="accent1"/>
+          </a:effectRef>
+          <a:fontRef idx="minor">
+            <a:schemeClr val="lt1"/>
+          </a:fontRef>
+        </p:style>
+        <p:txBody>
+          <a:bodyPr rtlCol="0" anchor="ctr"/>
+          <a:lstStyle/>
+          <a:p>
+            <a:pPr algn="ctr"/>
+            <a:endParaRPr lang="zh-TW" altLang="en-US"/>
+          </a:p>
+        </p:txBody>
+      </p:sp>
+      <p:sp>
+        <p:nvSpPr>
+          <p:cNvPr id="97" name="矩形 96"/>
+          <p:cNvSpPr/>
+          <p:nvPr/>
+        </p:nvSpPr>
+        <p:spPr>
+          <a:xfrm>
+            <a:off x="8813659" y="3174206"/>
+            <a:ext cx="382729" cy="140494"/>
+          </a:xfrm>
+          <a:prstGeom prst="rect">
+            <a:avLst/>
+          </a:prstGeom>
+          <a:noFill/>
+          <a:ln>
+            <a:solidFill>
+              <a:srgbClr val="FF0000"/>
+            </a:solidFill>
+          </a:ln>
+        </p:spPr>
+        <p:style>
+          <a:lnRef idx="2">
+            <a:schemeClr val="accent1">
+              <a:shade val="50000"/>
+            </a:schemeClr>
+          </a:lnRef>
+          <a:fillRef idx="1">
+            <a:schemeClr val="accent1"/>
+          </a:fillRef>
+          <a:effectRef idx="0">
+            <a:schemeClr val="accent1"/>
+          </a:effectRef>
+          <a:fontRef idx="minor">
+            <a:schemeClr val="lt1"/>
+          </a:fontRef>
+        </p:style>
+        <p:txBody>
+          <a:bodyPr rtlCol="0" anchor="ctr"/>
+          <a:lstStyle/>
+          <a:p>
+            <a:pPr algn="ctr"/>
+            <a:endParaRPr lang="zh-TW" altLang="en-US"/>
+          </a:p>
+        </p:txBody>
+      </p:sp>
+      <p:sp>
+        <p:nvSpPr>
+          <p:cNvPr id="98" name="矩形 97"/>
+          <p:cNvSpPr/>
+          <p:nvPr/>
+        </p:nvSpPr>
+        <p:spPr>
+          <a:xfrm>
+            <a:off x="721519" y="4437459"/>
+            <a:ext cx="1854994" cy="121280"/>
+          </a:xfrm>
+          <a:prstGeom prst="rect">
+            <a:avLst/>
+          </a:prstGeom>
+          <a:noFill/>
+          <a:ln>
+            <a:solidFill>
+              <a:srgbClr val="FF0000"/>
+            </a:solidFill>
+          </a:ln>
+        </p:spPr>
+        <p:style>
+          <a:lnRef idx="2">
+            <a:schemeClr val="accent1">
+              <a:shade val="50000"/>
+            </a:schemeClr>
+          </a:lnRef>
+          <a:fillRef idx="1">
+            <a:schemeClr val="accent1"/>
+          </a:fillRef>
+          <a:effectRef idx="0">
+            <a:schemeClr val="accent1"/>
+          </a:effectRef>
+          <a:fontRef idx="minor">
+            <a:schemeClr val="lt1"/>
+          </a:fontRef>
+        </p:style>
+        <p:txBody>
+          <a:bodyPr rtlCol="0" anchor="ctr"/>
+          <a:lstStyle/>
+          <a:p>
+            <a:pPr algn="ctr"/>
+            <a:endParaRPr lang="zh-TW" altLang="en-US"/>
+          </a:p>
+        </p:txBody>
+      </p:sp>
+      <p:cxnSp>
+        <p:nvCxnSpPr>
+          <p:cNvPr id="99" name="肘形接點 98"/>
+          <p:cNvCxnSpPr>
+            <a:stCxn id="98" idx="3"/>
+            <a:endCxn id="92" idx="2"/>
+          </p:cNvCxnSpPr>
+          <p:nvPr/>
+        </p:nvCxnSpPr>
+        <p:spPr>
+          <a:xfrm flipV="1">
+            <a:off x="2576513" y="3306175"/>
+            <a:ext cx="4221561" cy="1191924"/>
+          </a:xfrm>
+          <a:prstGeom prst="bentConnector2">
+            <a:avLst/>
+          </a:prstGeom>
+          <a:ln w="12700">
+            <a:solidFill>
+              <a:srgbClr val="FF0000"/>
+            </a:solidFill>
+            <a:tailEnd type="stealth" w="lg" len="med"/>
+          </a:ln>
+        </p:spPr>
+        <p:style>
+          <a:lnRef idx="1">
+            <a:schemeClr val="accent1"/>
+          </a:lnRef>
+          <a:fillRef idx="0">
+            <a:schemeClr val="accent1"/>
+          </a:fillRef>
+          <a:effectRef idx="0">
+            <a:schemeClr val="accent1"/>
+          </a:effectRef>
+          <a:fontRef idx="minor">
+            <a:schemeClr val="tx1"/>
+          </a:fontRef>
+        </p:style>
+      </p:cxnSp>
+      <p:sp>
+        <p:nvSpPr>
+          <p:cNvPr id="102" name="矩形 101"/>
+          <p:cNvSpPr/>
+          <p:nvPr/>
+        </p:nvSpPr>
+        <p:spPr>
+          <a:xfrm>
+            <a:off x="721519" y="4558739"/>
+            <a:ext cx="1854994" cy="110728"/>
+          </a:xfrm>
+          <a:prstGeom prst="rect">
+            <a:avLst/>
+          </a:prstGeom>
+          <a:noFill/>
+          <a:ln>
+            <a:solidFill>
+              <a:srgbClr val="FF0000"/>
+            </a:solidFill>
+          </a:ln>
+        </p:spPr>
+        <p:style>
+          <a:lnRef idx="2">
+            <a:schemeClr val="accent1">
+              <a:shade val="50000"/>
+            </a:schemeClr>
+          </a:lnRef>
+          <a:fillRef idx="1">
+            <a:schemeClr val="accent1"/>
+          </a:fillRef>
+          <a:effectRef idx="0">
+            <a:schemeClr val="accent1"/>
+          </a:effectRef>
+          <a:fontRef idx="minor">
+            <a:schemeClr val="lt1"/>
+          </a:fontRef>
+        </p:style>
+        <p:txBody>
+          <a:bodyPr rtlCol="0" anchor="ctr"/>
+          <a:lstStyle/>
+          <a:p>
+            <a:pPr algn="ctr"/>
+            <a:endParaRPr lang="zh-TW" altLang="en-US"/>
+          </a:p>
+        </p:txBody>
+      </p:sp>
+      <p:cxnSp>
+        <p:nvCxnSpPr>
+          <p:cNvPr id="103" name="肘形接點 102"/>
+          <p:cNvCxnSpPr>
+            <a:stCxn id="102" idx="3"/>
+            <a:endCxn id="94" idx="2"/>
+          </p:cNvCxnSpPr>
+          <p:nvPr/>
+        </p:nvCxnSpPr>
+        <p:spPr>
+          <a:xfrm flipV="1">
+            <a:off x="2576513" y="3315700"/>
+            <a:ext cx="5018056" cy="1298403"/>
+          </a:xfrm>
+          <a:prstGeom prst="bentConnector2">
+            <a:avLst/>
+          </a:prstGeom>
+          <a:ln w="12700">
+            <a:solidFill>
+              <a:srgbClr val="FF0000"/>
+            </a:solidFill>
+            <a:tailEnd type="stealth" w="lg" len="med"/>
+          </a:ln>
+        </p:spPr>
+        <p:style>
+          <a:lnRef idx="1">
+            <a:schemeClr val="accent1"/>
+          </a:lnRef>
+          <a:fillRef idx="0">
+            <a:schemeClr val="accent1"/>
+          </a:fillRef>
+          <a:effectRef idx="0">
+            <a:schemeClr val="accent1"/>
+          </a:effectRef>
+          <a:fontRef idx="minor">
+            <a:schemeClr val="tx1"/>
+          </a:fontRef>
+        </p:style>
+      </p:cxnSp>
+      <p:sp>
+        <p:nvSpPr>
+          <p:cNvPr id="106" name="矩形 105"/>
+          <p:cNvSpPr/>
+          <p:nvPr/>
+        </p:nvSpPr>
+        <p:spPr>
+          <a:xfrm>
+            <a:off x="721519" y="4810960"/>
+            <a:ext cx="1854994" cy="124957"/>
+          </a:xfrm>
+          <a:prstGeom prst="rect">
+            <a:avLst/>
+          </a:prstGeom>
+          <a:noFill/>
+          <a:ln>
+            <a:solidFill>
+              <a:srgbClr val="FF0000"/>
+            </a:solidFill>
+          </a:ln>
+        </p:spPr>
+        <p:style>
+          <a:lnRef idx="2">
+            <a:schemeClr val="accent1">
+              <a:shade val="50000"/>
+            </a:schemeClr>
+          </a:lnRef>
+          <a:fillRef idx="1">
+            <a:schemeClr val="accent1"/>
+          </a:fillRef>
+          <a:effectRef idx="0">
+            <a:schemeClr val="accent1"/>
+          </a:effectRef>
+          <a:fontRef idx="minor">
+            <a:schemeClr val="lt1"/>
+          </a:fontRef>
+        </p:style>
+        <p:txBody>
+          <a:bodyPr rtlCol="0" anchor="ctr"/>
+          <a:lstStyle/>
+          <a:p>
+            <a:pPr algn="ctr"/>
+            <a:endParaRPr lang="zh-TW" altLang="en-US"/>
+          </a:p>
+        </p:txBody>
+      </p:sp>
+      <p:cxnSp>
+        <p:nvCxnSpPr>
+          <p:cNvPr id="107" name="肘形接點 106"/>
+          <p:cNvCxnSpPr>
+            <a:stCxn id="106" idx="3"/>
+            <a:endCxn id="96" idx="2"/>
+          </p:cNvCxnSpPr>
+          <p:nvPr/>
+        </p:nvCxnSpPr>
+        <p:spPr>
+          <a:xfrm flipV="1">
+            <a:off x="2576513" y="3314700"/>
+            <a:ext cx="5690641" cy="1558739"/>
+          </a:xfrm>
+          <a:prstGeom prst="bentConnector2">
+            <a:avLst/>
+          </a:prstGeom>
+          <a:ln w="12700">
+            <a:solidFill>
+              <a:srgbClr val="FF0000"/>
+            </a:solidFill>
+            <a:tailEnd type="stealth" w="lg" len="med"/>
+          </a:ln>
+        </p:spPr>
+        <p:style>
+          <a:lnRef idx="1">
+            <a:schemeClr val="accent1"/>
+          </a:lnRef>
+          <a:fillRef idx="0">
+            <a:schemeClr val="accent1"/>
+          </a:fillRef>
+          <a:effectRef idx="0">
+            <a:schemeClr val="accent1"/>
+          </a:effectRef>
+          <a:fontRef idx="minor">
+            <a:schemeClr val="tx1"/>
+          </a:fontRef>
+        </p:style>
+      </p:cxnSp>
+      <p:sp>
+        <p:nvSpPr>
+          <p:cNvPr id="110" name="矩形 109"/>
+          <p:cNvSpPr/>
+          <p:nvPr/>
+        </p:nvSpPr>
+        <p:spPr>
+          <a:xfrm>
+            <a:off x="721519" y="4935917"/>
+            <a:ext cx="1854994" cy="131813"/>
+          </a:xfrm>
+          <a:prstGeom prst="rect">
+            <a:avLst/>
+          </a:prstGeom>
+          <a:noFill/>
+          <a:ln>
+            <a:solidFill>
+              <a:srgbClr val="FF0000"/>
+            </a:solidFill>
+          </a:ln>
+        </p:spPr>
+        <p:style>
+          <a:lnRef idx="2">
+            <a:schemeClr val="accent1">
+              <a:shade val="50000"/>
+            </a:schemeClr>
+          </a:lnRef>
+          <a:fillRef idx="1">
+            <a:schemeClr val="accent1"/>
+          </a:fillRef>
+          <a:effectRef idx="0">
+            <a:schemeClr val="accent1"/>
+          </a:effectRef>
+          <a:fontRef idx="minor">
+            <a:schemeClr val="lt1"/>
+          </a:fontRef>
+        </p:style>
+        <p:txBody>
+          <a:bodyPr rtlCol="0" anchor="ctr"/>
+          <a:lstStyle/>
+          <a:p>
+            <a:pPr algn="ctr"/>
+            <a:endParaRPr lang="zh-TW" altLang="en-US"/>
+          </a:p>
+        </p:txBody>
+      </p:sp>
+      <p:cxnSp>
+        <p:nvCxnSpPr>
+          <p:cNvPr id="111" name="肘形接點 110"/>
+          <p:cNvCxnSpPr>
+            <a:endCxn id="97" idx="2"/>
+          </p:cNvCxnSpPr>
+          <p:nvPr/>
+        </p:nvCxnSpPr>
+        <p:spPr>
+          <a:xfrm flipV="1">
+            <a:off x="2576511" y="3314700"/>
+            <a:ext cx="6428513" cy="1691119"/>
+          </a:xfrm>
+          <a:prstGeom prst="bentConnector2">
+            <a:avLst/>
+          </a:prstGeom>
+          <a:ln w="12700">
+            <a:solidFill>
+              <a:srgbClr val="FF0000"/>
+            </a:solidFill>
+            <a:tailEnd type="stealth" w="lg" len="med"/>
+          </a:ln>
+        </p:spPr>
+        <p:style>
+          <a:lnRef idx="1">
+            <a:schemeClr val="accent1"/>
+          </a:lnRef>
+          <a:fillRef idx="0">
+            <a:schemeClr val="accent1"/>
+          </a:fillRef>
+          <a:effectRef idx="0">
+            <a:schemeClr val="accent1"/>
+          </a:effectRef>
+          <a:fontRef idx="minor">
+            <a:schemeClr val="tx1"/>
+          </a:fontRef>
+        </p:style>
+      </p:cxnSp>
+      <p:sp>
+        <p:nvSpPr>
+          <p:cNvPr id="116" name="矩形 115"/>
+          <p:cNvSpPr/>
+          <p:nvPr/>
+        </p:nvSpPr>
+        <p:spPr>
+          <a:xfrm>
+            <a:off x="721519" y="5849058"/>
+            <a:ext cx="1854994" cy="131813"/>
+          </a:xfrm>
+          <a:prstGeom prst="rect">
+            <a:avLst/>
+          </a:prstGeom>
+          <a:noFill/>
+          <a:ln>
+            <a:solidFill>
+              <a:srgbClr val="FF0000"/>
+            </a:solidFill>
+          </a:ln>
+        </p:spPr>
+        <p:style>
+          <a:lnRef idx="2">
+            <a:schemeClr val="accent1">
+              <a:shade val="50000"/>
+            </a:schemeClr>
+          </a:lnRef>
+          <a:fillRef idx="1">
+            <a:schemeClr val="accent1"/>
+          </a:fillRef>
+          <a:effectRef idx="0">
+            <a:schemeClr val="accent1"/>
+          </a:effectRef>
+          <a:fontRef idx="minor">
+            <a:schemeClr val="lt1"/>
+          </a:fontRef>
+        </p:style>
+        <p:txBody>
+          <a:bodyPr rtlCol="0" anchor="ctr"/>
+          <a:lstStyle/>
+          <a:p>
+            <a:pPr algn="ctr"/>
+            <a:endParaRPr lang="zh-TW" altLang="en-US"/>
+          </a:p>
+        </p:txBody>
+      </p:sp>
+      <p:cxnSp>
+        <p:nvCxnSpPr>
+          <p:cNvPr id="117" name="肘形接點 116"/>
+          <p:cNvCxnSpPr>
+            <a:stCxn id="116" idx="3"/>
+            <a:endCxn id="95" idx="2"/>
+          </p:cNvCxnSpPr>
+          <p:nvPr/>
+        </p:nvCxnSpPr>
+        <p:spPr>
+          <a:xfrm flipV="1">
+            <a:off x="2576513" y="3314700"/>
+            <a:ext cx="7314650" cy="2600265"/>
+          </a:xfrm>
+          <a:prstGeom prst="bentConnector2">
+            <a:avLst/>
+          </a:prstGeom>
+          <a:ln w="12700">
+            <a:solidFill>
+              <a:srgbClr val="FF0000"/>
+            </a:solidFill>
+            <a:tailEnd type="stealth" w="lg" len="med"/>
+          </a:ln>
+        </p:spPr>
+        <p:style>
+          <a:lnRef idx="1">
+            <a:schemeClr val="accent1"/>
+          </a:lnRef>
+          <a:fillRef idx="0">
+            <a:schemeClr val="accent1"/>
+          </a:fillRef>
+          <a:effectRef idx="0">
+            <a:schemeClr val="accent1"/>
+          </a:effectRef>
+          <a:fontRef idx="minor">
+            <a:schemeClr val="tx1"/>
+          </a:fontRef>
+        </p:style>
+      </p:cxnSp>
+      <p:sp>
+        <p:nvSpPr>
+          <p:cNvPr id="120" name="矩形 119"/>
+          <p:cNvSpPr/>
+          <p:nvPr/>
+        </p:nvSpPr>
+        <p:spPr>
+          <a:xfrm>
+            <a:off x="721519" y="5072725"/>
+            <a:ext cx="1854994" cy="131813"/>
+          </a:xfrm>
+          <a:prstGeom prst="rect">
+            <a:avLst/>
+          </a:prstGeom>
+          <a:noFill/>
+          <a:ln>
+            <a:solidFill>
+              <a:srgbClr val="FF0000"/>
+            </a:solidFill>
+          </a:ln>
+        </p:spPr>
+        <p:style>
+          <a:lnRef idx="2">
+            <a:schemeClr val="accent1">
+              <a:shade val="50000"/>
+            </a:schemeClr>
+          </a:lnRef>
+          <a:fillRef idx="1">
+            <a:schemeClr val="accent1"/>
+          </a:fillRef>
+          <a:effectRef idx="0">
+            <a:schemeClr val="accent1"/>
+          </a:effectRef>
+          <a:fontRef idx="minor">
+            <a:schemeClr val="lt1"/>
+          </a:fontRef>
+        </p:style>
+        <p:txBody>
+          <a:bodyPr rtlCol="0" anchor="ctr"/>
+          <a:lstStyle/>
+          <a:p>
+            <a:pPr algn="ctr"/>
+            <a:endParaRPr lang="zh-TW" altLang="en-US"/>
+          </a:p>
+        </p:txBody>
+      </p:sp>
+      <p:cxnSp>
+        <p:nvCxnSpPr>
+          <p:cNvPr id="121" name="肘形接點 120"/>
+          <p:cNvCxnSpPr>
+            <a:endCxn id="93" idx="2"/>
+          </p:cNvCxnSpPr>
+          <p:nvPr/>
+        </p:nvCxnSpPr>
+        <p:spPr>
+          <a:xfrm flipV="1">
+            <a:off x="2587885" y="3323034"/>
+            <a:ext cx="8185905" cy="1815597"/>
+          </a:xfrm>
+          <a:prstGeom prst="bentConnector2">
+            <a:avLst/>
+          </a:prstGeom>
+          <a:ln w="12700">
+            <a:solidFill>
+              <a:srgbClr val="FF0000"/>
+            </a:solidFill>
+            <a:tailEnd type="stealth" w="lg" len="med"/>
+          </a:ln>
+        </p:spPr>
+        <p:style>
+          <a:lnRef idx="1">
+            <a:schemeClr val="accent1"/>
+          </a:lnRef>
+          <a:fillRef idx="0">
+            <a:schemeClr val="accent1"/>
+          </a:fillRef>
+          <a:effectRef idx="0">
+            <a:schemeClr val="accent1"/>
+          </a:effectRef>
+          <a:fontRef idx="minor">
+            <a:schemeClr val="tx1"/>
+          </a:fontRef>
+        </p:style>
+      </p:cxnSp>
+    </p:spTree>
+    <p:extLst>
+      <p:ext uri="{BB962C8B-B14F-4D97-AF65-F5344CB8AC3E}">
+        <p14:creationId xmlns:p14="http://schemas.microsoft.com/office/powerpoint/2010/main" val="2562197301"/>
       </p:ext>
     </p:extLst>
   </p:cSld>
